--- a/workshop-java8.pptx
+++ b/workshop-java8.pptx
@@ -5,7 +5,7 @@
     <p:sldMasterId id="2147483648" r:id="rId1"/>
   </p:sldMasterIdLst>
   <p:notesMasterIdLst>
-    <p:notesMasterId r:id="rId35"/>
+    <p:notesMasterId r:id="rId36"/>
   </p:notesMasterIdLst>
   <p:sldIdLst>
     <p:sldId id="256" r:id="rId2"/>
@@ -35,12 +35,13 @@
     <p:sldId id="291" r:id="rId26"/>
     <p:sldId id="292" r:id="rId27"/>
     <p:sldId id="293" r:id="rId28"/>
-    <p:sldId id="294" r:id="rId29"/>
-    <p:sldId id="263" r:id="rId30"/>
-    <p:sldId id="257" r:id="rId31"/>
-    <p:sldId id="258" r:id="rId32"/>
-    <p:sldId id="259" r:id="rId33"/>
-    <p:sldId id="266" r:id="rId34"/>
+    <p:sldId id="295" r:id="rId29"/>
+    <p:sldId id="294" r:id="rId30"/>
+    <p:sldId id="263" r:id="rId31"/>
+    <p:sldId id="257" r:id="rId32"/>
+    <p:sldId id="258" r:id="rId33"/>
+    <p:sldId id="259" r:id="rId34"/>
+    <p:sldId id="266" r:id="rId35"/>
   </p:sldIdLst>
   <p:sldSz cx="9144000" cy="6858000" type="screen4x3"/>
   <p:notesSz cx="6858000" cy="9144000"/>
@@ -224,7 +225,7 @@
           <a:p>
             <a:fld id="{B3F5A23E-8457-422A-9AD6-1801CAF2A741}" type="datetimeFigureOut">
               <a:rPr lang="fr-BE" smtClean="0"/>
-              <a:t>22/04/2014</a:t>
+              <a:t>7/05/2014</a:t>
             </a:fld>
             <a:endParaRPr lang="fr-BE"/>
           </a:p>
@@ -1025,7 +1026,7 @@
           <a:p>
             <a:fld id="{5886DAA3-ED18-464E-9900-8E9E22BF0BEB}" type="slidenum">
               <a:rPr lang="fr-BE" smtClean="0"/>
-              <a:t>33</a:t>
+              <a:t>34</a:t>
             </a:fld>
             <a:endParaRPr lang="fr-BE"/>
           </a:p>
@@ -1225,7 +1226,7 @@
           <a:p>
             <a:fld id="{AA309A6D-C09C-4548-B29A-6CF363A7E532}" type="datetimeFigureOut">
               <a:rPr lang="fr-FR" smtClean="0"/>
-              <a:t>22/04/2014</a:t>
+              <a:t>07/05/2014</a:t>
             </a:fld>
             <a:endParaRPr lang="fr-BE"/>
           </a:p>
@@ -1390,7 +1391,7 @@
           <a:p>
             <a:fld id="{AA309A6D-C09C-4548-B29A-6CF363A7E532}" type="datetimeFigureOut">
               <a:rPr lang="fr-FR" smtClean="0"/>
-              <a:t>22/04/2014</a:t>
+              <a:t>07/05/2014</a:t>
             </a:fld>
             <a:endParaRPr lang="fr-BE"/>
           </a:p>
@@ -1565,7 +1566,7 @@
           <a:p>
             <a:fld id="{AA309A6D-C09C-4548-B29A-6CF363A7E532}" type="datetimeFigureOut">
               <a:rPr lang="fr-FR" smtClean="0"/>
-              <a:t>22/04/2014</a:t>
+              <a:t>07/05/2014</a:t>
             </a:fld>
             <a:endParaRPr lang="fr-BE"/>
           </a:p>
@@ -1730,7 +1731,7 @@
           <a:p>
             <a:fld id="{AA309A6D-C09C-4548-B29A-6CF363A7E532}" type="datetimeFigureOut">
               <a:rPr lang="fr-FR" smtClean="0"/>
-              <a:t>22/04/2014</a:t>
+              <a:t>07/05/2014</a:t>
             </a:fld>
             <a:endParaRPr lang="fr-BE"/>
           </a:p>
@@ -1971,7 +1972,7 @@
           <a:p>
             <a:fld id="{AA309A6D-C09C-4548-B29A-6CF363A7E532}" type="datetimeFigureOut">
               <a:rPr lang="fr-FR" smtClean="0"/>
-              <a:t>22/04/2014</a:t>
+              <a:t>07/05/2014</a:t>
             </a:fld>
             <a:endParaRPr lang="fr-BE"/>
           </a:p>
@@ -2254,7 +2255,7 @@
           <a:p>
             <a:fld id="{AA309A6D-C09C-4548-B29A-6CF363A7E532}" type="datetimeFigureOut">
               <a:rPr lang="fr-FR" smtClean="0"/>
-              <a:t>22/04/2014</a:t>
+              <a:t>07/05/2014</a:t>
             </a:fld>
             <a:endParaRPr lang="fr-BE"/>
           </a:p>
@@ -2671,7 +2672,7 @@
           <a:p>
             <a:fld id="{AA309A6D-C09C-4548-B29A-6CF363A7E532}" type="datetimeFigureOut">
               <a:rPr lang="fr-FR" smtClean="0"/>
-              <a:t>22/04/2014</a:t>
+              <a:t>07/05/2014</a:t>
             </a:fld>
             <a:endParaRPr lang="fr-BE"/>
           </a:p>
@@ -2784,7 +2785,7 @@
           <a:p>
             <a:fld id="{AA309A6D-C09C-4548-B29A-6CF363A7E532}" type="datetimeFigureOut">
               <a:rPr lang="fr-FR" smtClean="0"/>
-              <a:t>22/04/2014</a:t>
+              <a:t>07/05/2014</a:t>
             </a:fld>
             <a:endParaRPr lang="fr-BE"/>
           </a:p>
@@ -2874,7 +2875,7 @@
           <a:p>
             <a:fld id="{AA309A6D-C09C-4548-B29A-6CF363A7E532}" type="datetimeFigureOut">
               <a:rPr lang="fr-FR" smtClean="0"/>
-              <a:t>22/04/2014</a:t>
+              <a:t>07/05/2014</a:t>
             </a:fld>
             <a:endParaRPr lang="fr-BE"/>
           </a:p>
@@ -3146,7 +3147,7 @@
           <a:p>
             <a:fld id="{AA309A6D-C09C-4548-B29A-6CF363A7E532}" type="datetimeFigureOut">
               <a:rPr lang="fr-FR" smtClean="0"/>
-              <a:t>22/04/2014</a:t>
+              <a:t>07/05/2014</a:t>
             </a:fld>
             <a:endParaRPr lang="fr-BE"/>
           </a:p>
@@ -3394,7 +3395,7 @@
           <a:p>
             <a:fld id="{AA309A6D-C09C-4548-B29A-6CF363A7E532}" type="datetimeFigureOut">
               <a:rPr lang="fr-FR" smtClean="0"/>
-              <a:t>22/04/2014</a:t>
+              <a:t>07/05/2014</a:t>
             </a:fld>
             <a:endParaRPr lang="fr-BE"/>
           </a:p>
@@ -3602,7 +3603,7 @@
           <a:p>
             <a:fld id="{AA309A6D-C09C-4548-B29A-6CF363A7E532}" type="datetimeFigureOut">
               <a:rPr lang="fr-FR" smtClean="0"/>
-              <a:t>22/04/2014</a:t>
+              <a:t>07/05/2014</a:t>
             </a:fld>
             <a:endParaRPr lang="fr-BE"/>
           </a:p>
@@ -12846,8 +12847,12 @@
           <a:lstStyle/>
           <a:p>
             <a:r>
-              <a:rPr lang="fr-BE" dirty="0" err="1" smtClean="0"/>
-              <a:t>Exercises</a:t>
+              <a:rPr lang="fr-BE" dirty="0" smtClean="0"/>
+              <a:t>Go </a:t>
+            </a:r>
+            <a:r>
+              <a:rPr lang="fr-BE" dirty="0" err="1" smtClean="0"/>
+              <a:t>Parallel</a:t>
             </a:r>
             <a:endParaRPr lang="fr-BE" dirty="0"/>
           </a:p>
@@ -12863,52 +12868,610 @@
             <p:ph idx="1"/>
           </p:nvPr>
         </p:nvSpPr>
-        <p:spPr/>
+        <p:spPr>
+          <a:xfrm>
+            <a:off x="457200" y="1196752"/>
+            <a:ext cx="8229600" cy="5400600"/>
+          </a:xfrm>
+        </p:spPr>
         <p:txBody>
-          <a:bodyPr/>
+          <a:bodyPr>
+            <a:normAutofit/>
+          </a:bodyPr>
           <a:lstStyle/>
           <a:p>
             <a:r>
               <a:rPr lang="fr-BE" dirty="0" smtClean="0"/>
-              <a:t>Default </a:t>
-            </a:r>
-            <a:r>
-              <a:rPr lang="fr-BE" dirty="0" err="1" smtClean="0"/>
-              <a:t>Methods</a:t>
-            </a:r>
+              <a:t>So </a:t>
+            </a:r>
+            <a:r>
+              <a:rPr lang="fr-BE" dirty="0" err="1" smtClean="0"/>
+              <a:t>now</a:t>
+            </a:r>
+            <a:r>
+              <a:rPr lang="fr-BE" dirty="0" smtClean="0"/>
+              <a:t> </a:t>
+            </a:r>
+            <a:r>
+              <a:rPr lang="fr-BE" dirty="0" err="1" smtClean="0"/>
+              <a:t>we</a:t>
+            </a:r>
+            <a:r>
+              <a:rPr lang="fr-BE" dirty="0" smtClean="0"/>
+              <a:t> </a:t>
+            </a:r>
+            <a:r>
+              <a:rPr lang="fr-BE" dirty="0" err="1" smtClean="0"/>
+              <a:t>can</a:t>
+            </a:r>
+            <a:r>
+              <a:rPr lang="fr-BE" dirty="0" smtClean="0"/>
+              <a:t> </a:t>
+            </a:r>
+            <a:r>
+              <a:rPr lang="fr-BE" dirty="0" err="1" smtClean="0"/>
+              <a:t>finally</a:t>
+            </a:r>
+            <a:r>
+              <a:rPr lang="fr-BE" dirty="0" smtClean="0"/>
+              <a:t> do </a:t>
+            </a:r>
+            <a:r>
+              <a:rPr lang="fr-BE" dirty="0" err="1" smtClean="0"/>
+              <a:t>this</a:t>
+            </a:r>
+            <a:r>
+              <a:rPr lang="fr-BE" dirty="0" smtClean="0"/>
+              <a:t>:</a:t>
+            </a:r>
+          </a:p>
+          <a:p>
+            <a:endParaRPr lang="fr-BE" dirty="0"/>
+          </a:p>
+          <a:p>
             <a:endParaRPr lang="fr-BE" dirty="0" smtClean="0"/>
           </a:p>
           <a:p>
             <a:r>
               <a:rPr lang="fr-BE" dirty="0" smtClean="0"/>
-              <a:t>New </a:t>
-            </a:r>
-            <a:r>
-              <a:rPr lang="fr-BE" dirty="0" err="1" smtClean="0"/>
-              <a:t>methods</a:t>
-            </a:r>
-            <a:r>
-              <a:rPr lang="fr-BE" dirty="0" smtClean="0"/>
-              <a:t> in java </a:t>
-            </a:r>
-            <a:r>
-              <a:rPr lang="fr-BE" dirty="0" err="1" smtClean="0"/>
-              <a:t>core</a:t>
-            </a:r>
-            <a:r>
-              <a:rPr lang="fr-BE" dirty="0" smtClean="0"/>
-              <a:t> classes</a:t>
-            </a:r>
-          </a:p>
-          <a:p>
+              <a:t>Or </a:t>
+            </a:r>
+            <a:r>
+              <a:rPr lang="fr-BE" dirty="0" err="1" smtClean="0"/>
+              <a:t>this</a:t>
+            </a:r>
+            <a:r>
+              <a:rPr lang="fr-BE" dirty="0" smtClean="0"/>
+              <a:t>:</a:t>
+            </a:r>
             <a:endParaRPr lang="fr-BE" dirty="0"/>
+          </a:p>
+          <a:p>
+            <a:pPr lvl="1"/>
+            <a:endParaRPr lang="fr-BE" dirty="0"/>
+          </a:p>
+          <a:p>
+            <a:endParaRPr lang="fr-BE" dirty="0"/>
+          </a:p>
+        </p:txBody>
+      </p:sp>
+      <p:sp>
+        <p:nvSpPr>
+          <p:cNvPr id="4" name="ZoneTexte 3"/>
+          <p:cNvSpPr txBox="1"/>
+          <p:nvPr/>
+        </p:nvSpPr>
+        <p:spPr>
+          <a:xfrm>
+            <a:off x="1691680" y="1844824"/>
+            <a:ext cx="5760640" cy="707886"/>
+          </a:xfrm>
+          <a:prstGeom prst="rect">
+            <a:avLst/>
+          </a:prstGeom>
+        </p:spPr>
+        <p:style>
+          <a:lnRef idx="1">
+            <a:schemeClr val="accent5"/>
+          </a:lnRef>
+          <a:fillRef idx="2">
+            <a:schemeClr val="accent5"/>
+          </a:fillRef>
+          <a:effectRef idx="1">
+            <a:schemeClr val="accent5"/>
+          </a:effectRef>
+          <a:fontRef idx="minor">
+            <a:schemeClr val="dk1"/>
+          </a:fontRef>
+        </p:style>
+        <p:txBody>
+          <a:bodyPr wrap="square" rtlCol="0">
+            <a:spAutoFit/>
+          </a:bodyPr>
+          <a:lstStyle/>
+          <a:p>
+            <a:r>
+              <a:rPr lang="fr-BE" sz="2000" b="1" dirty="0" smtClean="0">
+                <a:solidFill>
+                  <a:schemeClr val="tx1"/>
+                </a:solidFill>
+                <a:latin typeface="Consolas" panose="020B0609020204030204" pitchFamily="49" charset="0"/>
+                <a:cs typeface="Consolas" panose="020B0609020204030204" pitchFamily="49" charset="0"/>
+              </a:rPr>
+              <a:t>Collection </a:t>
+            </a:r>
+            <a:r>
+              <a:rPr lang="fr-BE" sz="2000" b="1" dirty="0" err="1" smtClean="0">
+                <a:solidFill>
+                  <a:schemeClr val="tx1"/>
+                </a:solidFill>
+                <a:latin typeface="Consolas" panose="020B0609020204030204" pitchFamily="49" charset="0"/>
+                <a:cs typeface="Consolas" panose="020B0609020204030204" pitchFamily="49" charset="0"/>
+              </a:rPr>
+              <a:t>shapes</a:t>
+            </a:r>
+            <a:r>
+              <a:rPr lang="fr-BE" sz="2000" b="1" dirty="0" smtClean="0">
+                <a:solidFill>
+                  <a:schemeClr val="tx1"/>
+                </a:solidFill>
+                <a:latin typeface="Consolas" panose="020B0609020204030204" pitchFamily="49" charset="0"/>
+                <a:cs typeface="Consolas" panose="020B0609020204030204" pitchFamily="49" charset="0"/>
+              </a:rPr>
+              <a:t> = …;</a:t>
+            </a:r>
+          </a:p>
+          <a:p>
+            <a:r>
+              <a:rPr lang="fr-BE" sz="2000" b="1" dirty="0" err="1" smtClean="0">
+                <a:solidFill>
+                  <a:schemeClr val="tx1"/>
+                </a:solidFill>
+                <a:latin typeface="Consolas" panose="020B0609020204030204" pitchFamily="49" charset="0"/>
+                <a:cs typeface="Consolas" panose="020B0609020204030204" pitchFamily="49" charset="0"/>
+              </a:rPr>
+              <a:t>shapes.forEach</a:t>
+            </a:r>
+            <a:r>
+              <a:rPr lang="fr-BE" sz="2000" b="1" dirty="0" smtClean="0">
+                <a:solidFill>
+                  <a:schemeClr val="tx1"/>
+                </a:solidFill>
+                <a:latin typeface="Consolas" panose="020B0609020204030204" pitchFamily="49" charset="0"/>
+                <a:cs typeface="Consolas" panose="020B0609020204030204" pitchFamily="49" charset="0"/>
+              </a:rPr>
+              <a:t>( s -&gt; </a:t>
+            </a:r>
+            <a:r>
+              <a:rPr lang="fr-BE" sz="2000" b="1" dirty="0" err="1" smtClean="0">
+                <a:solidFill>
+                  <a:schemeClr val="tx1"/>
+                </a:solidFill>
+                <a:latin typeface="Consolas" panose="020B0609020204030204" pitchFamily="49" charset="0"/>
+                <a:cs typeface="Consolas" panose="020B0609020204030204" pitchFamily="49" charset="0"/>
+              </a:rPr>
+              <a:t>s.setColor</a:t>
+            </a:r>
+            <a:r>
+              <a:rPr lang="fr-BE" sz="2000" b="1" dirty="0" smtClean="0">
+                <a:solidFill>
+                  <a:schemeClr val="tx1"/>
+                </a:solidFill>
+                <a:latin typeface="Consolas" panose="020B0609020204030204" pitchFamily="49" charset="0"/>
+                <a:cs typeface="Consolas" panose="020B0609020204030204" pitchFamily="49" charset="0"/>
+              </a:rPr>
+              <a:t>(RED));</a:t>
+            </a:r>
+            <a:endParaRPr lang="fr-BE" sz="2000" b="1" dirty="0">
+              <a:solidFill>
+                <a:schemeClr val="tx1"/>
+              </a:solidFill>
+              <a:latin typeface="Consolas" panose="020B0609020204030204" pitchFamily="49" charset="0"/>
+              <a:cs typeface="Consolas" panose="020B0609020204030204" pitchFamily="49" charset="0"/>
+            </a:endParaRPr>
+          </a:p>
+        </p:txBody>
+      </p:sp>
+      <p:sp>
+        <p:nvSpPr>
+          <p:cNvPr id="6" name="ZoneTexte 5"/>
+          <p:cNvSpPr txBox="1"/>
+          <p:nvPr/>
+        </p:nvSpPr>
+        <p:spPr>
+          <a:xfrm>
+            <a:off x="738477" y="3717032"/>
+            <a:ext cx="7848872" cy="2862322"/>
+          </a:xfrm>
+          <a:prstGeom prst="rect">
+            <a:avLst/>
+          </a:prstGeom>
+        </p:spPr>
+        <p:style>
+          <a:lnRef idx="1">
+            <a:schemeClr val="accent5"/>
+          </a:lnRef>
+          <a:fillRef idx="2">
+            <a:schemeClr val="accent5"/>
+          </a:fillRef>
+          <a:effectRef idx="1">
+            <a:schemeClr val="accent5"/>
+          </a:effectRef>
+          <a:fontRef idx="minor">
+            <a:schemeClr val="dk1"/>
+          </a:fontRef>
+        </p:style>
+        <p:txBody>
+          <a:bodyPr wrap="square" rtlCol="0">
+            <a:spAutoFit/>
+          </a:bodyPr>
+          <a:lstStyle/>
+          <a:p>
+            <a:r>
+              <a:rPr lang="fr-BE" sz="2000" b="1" dirty="0" smtClean="0">
+                <a:solidFill>
+                  <a:schemeClr val="tx1"/>
+                </a:solidFill>
+                <a:latin typeface="Consolas" panose="020B0609020204030204" pitchFamily="49" charset="0"/>
+                <a:cs typeface="Consolas" panose="020B0609020204030204" pitchFamily="49" charset="0"/>
+              </a:rPr>
+              <a:t>Collection </a:t>
+            </a:r>
+            <a:r>
+              <a:rPr lang="fr-BE" sz="2000" b="1" dirty="0" err="1" smtClean="0">
+                <a:solidFill>
+                  <a:schemeClr val="tx1"/>
+                </a:solidFill>
+                <a:latin typeface="Consolas" panose="020B0609020204030204" pitchFamily="49" charset="0"/>
+                <a:cs typeface="Consolas" panose="020B0609020204030204" pitchFamily="49" charset="0"/>
+              </a:rPr>
+              <a:t>shapes</a:t>
+            </a:r>
+            <a:r>
+              <a:rPr lang="fr-BE" sz="2000" b="1" dirty="0" smtClean="0">
+                <a:solidFill>
+                  <a:schemeClr val="tx1"/>
+                </a:solidFill>
+                <a:latin typeface="Consolas" panose="020B0609020204030204" pitchFamily="49" charset="0"/>
+                <a:cs typeface="Consolas" panose="020B0609020204030204" pitchFamily="49" charset="0"/>
+              </a:rPr>
+              <a:t> = </a:t>
+            </a:r>
+            <a:r>
+              <a:rPr lang="fr-BE" sz="2000" b="1" dirty="0" smtClean="0">
+                <a:solidFill>
+                  <a:schemeClr val="tx1"/>
+                </a:solidFill>
+                <a:latin typeface="Consolas" panose="020B0609020204030204" pitchFamily="49" charset="0"/>
+                <a:cs typeface="Consolas" panose="020B0609020204030204" pitchFamily="49" charset="0"/>
+              </a:rPr>
+              <a:t>…;</a:t>
+            </a:r>
+          </a:p>
+          <a:p>
+            <a:endParaRPr lang="fr-BE" sz="2000" b="1" dirty="0" smtClean="0">
+              <a:solidFill>
+                <a:schemeClr val="tx1"/>
+              </a:solidFill>
+              <a:latin typeface="Consolas" panose="020B0609020204030204" pitchFamily="49" charset="0"/>
+              <a:cs typeface="Consolas" panose="020B0609020204030204" pitchFamily="49" charset="0"/>
+            </a:endParaRPr>
+          </a:p>
+          <a:p>
+            <a:r>
+              <a:rPr lang="fr-BE" sz="2000" b="1" dirty="0" smtClean="0">
+                <a:solidFill>
+                  <a:schemeClr val="tx1"/>
+                </a:solidFill>
+                <a:latin typeface="Consolas" panose="020B0609020204030204" pitchFamily="49" charset="0"/>
+                <a:cs typeface="Consolas" panose="020B0609020204030204" pitchFamily="49" charset="0"/>
+              </a:rPr>
+              <a:t>Collection </a:t>
+            </a:r>
+            <a:r>
+              <a:rPr lang="fr-BE" sz="2000" b="1" dirty="0" err="1" smtClean="0">
+                <a:solidFill>
+                  <a:schemeClr val="tx1"/>
+                </a:solidFill>
+                <a:latin typeface="Consolas" panose="020B0609020204030204" pitchFamily="49" charset="0"/>
+                <a:cs typeface="Consolas" panose="020B0609020204030204" pitchFamily="49" charset="0"/>
+              </a:rPr>
+              <a:t>greenShapes</a:t>
+            </a:r>
+            <a:r>
+              <a:rPr lang="fr-BE" sz="2000" b="1" dirty="0" smtClean="0">
+                <a:solidFill>
+                  <a:schemeClr val="tx1"/>
+                </a:solidFill>
+                <a:latin typeface="Consolas" panose="020B0609020204030204" pitchFamily="49" charset="0"/>
+                <a:cs typeface="Consolas" panose="020B0609020204030204" pitchFamily="49" charset="0"/>
+              </a:rPr>
+              <a:t> = </a:t>
+            </a:r>
+          </a:p>
+          <a:p>
+            <a:r>
+              <a:rPr lang="fr-BE" sz="2000" b="1" dirty="0">
+                <a:solidFill>
+                  <a:schemeClr val="tx1"/>
+                </a:solidFill>
+                <a:latin typeface="Consolas" panose="020B0609020204030204" pitchFamily="49" charset="0"/>
+                <a:cs typeface="Consolas" panose="020B0609020204030204" pitchFamily="49" charset="0"/>
+              </a:rPr>
+              <a:t>	</a:t>
+            </a:r>
+            <a:r>
+              <a:rPr lang="fr-BE" sz="2000" b="1" dirty="0" smtClean="0">
+                <a:solidFill>
+                  <a:schemeClr val="tx1"/>
+                </a:solidFill>
+                <a:latin typeface="Consolas" panose="020B0609020204030204" pitchFamily="49" charset="0"/>
+                <a:cs typeface="Consolas" panose="020B0609020204030204" pitchFamily="49" charset="0"/>
+              </a:rPr>
+              <a:t>	</a:t>
+            </a:r>
+            <a:r>
+              <a:rPr lang="fr-BE" sz="2000" b="1" dirty="0" err="1" smtClean="0">
+                <a:solidFill>
+                  <a:schemeClr val="tx1"/>
+                </a:solidFill>
+                <a:latin typeface="Consolas" panose="020B0609020204030204" pitchFamily="49" charset="0"/>
+                <a:cs typeface="Consolas" panose="020B0609020204030204" pitchFamily="49" charset="0"/>
+              </a:rPr>
+              <a:t>shapes.filter</a:t>
+            </a:r>
+            <a:r>
+              <a:rPr lang="fr-BE" sz="2000" b="1" dirty="0" smtClean="0">
+                <a:solidFill>
+                  <a:schemeClr val="tx1"/>
+                </a:solidFill>
+                <a:latin typeface="Consolas" panose="020B0609020204030204" pitchFamily="49" charset="0"/>
+                <a:cs typeface="Consolas" panose="020B0609020204030204" pitchFamily="49" charset="0"/>
+              </a:rPr>
+              <a:t>( s -&gt; </a:t>
+            </a:r>
+            <a:r>
+              <a:rPr lang="fr-BE" sz="2000" b="1" dirty="0" err="1" smtClean="0">
+                <a:solidFill>
+                  <a:schemeClr val="tx1"/>
+                </a:solidFill>
+                <a:latin typeface="Consolas" panose="020B0609020204030204" pitchFamily="49" charset="0"/>
+                <a:cs typeface="Consolas" panose="020B0609020204030204" pitchFamily="49" charset="0"/>
+              </a:rPr>
+              <a:t>s.getColor</a:t>
+            </a:r>
+            <a:r>
+              <a:rPr lang="fr-BE" sz="2000" b="1" dirty="0" smtClean="0">
+                <a:solidFill>
+                  <a:schemeClr val="tx1"/>
+                </a:solidFill>
+                <a:latin typeface="Consolas" panose="020B0609020204030204" pitchFamily="49" charset="0"/>
+                <a:cs typeface="Consolas" panose="020B0609020204030204" pitchFamily="49" charset="0"/>
+              </a:rPr>
+              <a:t>()==GREEN);</a:t>
+            </a:r>
+          </a:p>
+          <a:p>
+            <a:endParaRPr lang="fr-BE" sz="2000" b="1" dirty="0" smtClean="0">
+              <a:solidFill>
+                <a:schemeClr val="tx1"/>
+              </a:solidFill>
+              <a:latin typeface="Consolas" panose="020B0609020204030204" pitchFamily="49" charset="0"/>
+              <a:cs typeface="Consolas" panose="020B0609020204030204" pitchFamily="49" charset="0"/>
+            </a:endParaRPr>
+          </a:p>
+          <a:p>
+            <a:r>
+              <a:rPr lang="fr-BE" sz="2000" b="1" dirty="0" smtClean="0">
+                <a:solidFill>
+                  <a:schemeClr val="tx1"/>
+                </a:solidFill>
+                <a:latin typeface="Consolas" panose="020B0609020204030204" pitchFamily="49" charset="0"/>
+                <a:cs typeface="Consolas" panose="020B0609020204030204" pitchFamily="49" charset="0"/>
+              </a:rPr>
+              <a:t>Collection </a:t>
+            </a:r>
+            <a:r>
+              <a:rPr lang="fr-BE" sz="2000" b="1" dirty="0" err="1" smtClean="0">
+                <a:solidFill>
+                  <a:schemeClr val="tx1"/>
+                </a:solidFill>
+                <a:latin typeface="Consolas" panose="020B0609020204030204" pitchFamily="49" charset="0"/>
+                <a:cs typeface="Consolas" panose="020B0609020204030204" pitchFamily="49" charset="0"/>
+              </a:rPr>
+              <a:t>greenShapeSizes</a:t>
+            </a:r>
+            <a:r>
+              <a:rPr lang="fr-BE" sz="2000" b="1" dirty="0" smtClean="0">
+                <a:solidFill>
+                  <a:schemeClr val="tx1"/>
+                </a:solidFill>
+                <a:latin typeface="Consolas" panose="020B0609020204030204" pitchFamily="49" charset="0"/>
+                <a:cs typeface="Consolas" panose="020B0609020204030204" pitchFamily="49" charset="0"/>
+              </a:rPr>
+              <a:t> =</a:t>
+            </a:r>
+          </a:p>
+          <a:p>
+            <a:r>
+              <a:rPr lang="fr-BE" sz="2000" b="1" dirty="0">
+                <a:solidFill>
+                  <a:schemeClr val="tx1"/>
+                </a:solidFill>
+                <a:latin typeface="Consolas" panose="020B0609020204030204" pitchFamily="49" charset="0"/>
+                <a:cs typeface="Consolas" panose="020B0609020204030204" pitchFamily="49" charset="0"/>
+              </a:rPr>
+              <a:t>	</a:t>
+            </a:r>
+            <a:r>
+              <a:rPr lang="fr-BE" sz="2000" b="1" dirty="0" smtClean="0">
+                <a:solidFill>
+                  <a:schemeClr val="tx1"/>
+                </a:solidFill>
+                <a:latin typeface="Consolas" panose="020B0609020204030204" pitchFamily="49" charset="0"/>
+                <a:cs typeface="Consolas" panose="020B0609020204030204" pitchFamily="49" charset="0"/>
+              </a:rPr>
+              <a:t>	</a:t>
+            </a:r>
+            <a:r>
+              <a:rPr lang="fr-BE" sz="2000" b="1" dirty="0" err="1" smtClean="0">
+                <a:solidFill>
+                  <a:schemeClr val="tx1"/>
+                </a:solidFill>
+                <a:latin typeface="Consolas" panose="020B0609020204030204" pitchFamily="49" charset="0"/>
+                <a:cs typeface="Consolas" panose="020B0609020204030204" pitchFamily="49" charset="0"/>
+              </a:rPr>
+              <a:t>greenShapes.map</a:t>
+            </a:r>
+            <a:r>
+              <a:rPr lang="fr-BE" sz="2000" b="1" dirty="0" smtClean="0">
+                <a:solidFill>
+                  <a:schemeClr val="tx1"/>
+                </a:solidFill>
+                <a:latin typeface="Consolas" panose="020B0609020204030204" pitchFamily="49" charset="0"/>
+                <a:cs typeface="Consolas" panose="020B0609020204030204" pitchFamily="49" charset="0"/>
+              </a:rPr>
+              <a:t>( s -&gt; </a:t>
+            </a:r>
+            <a:r>
+              <a:rPr lang="fr-BE" sz="2000" b="1" dirty="0" err="1" smtClean="0">
+                <a:solidFill>
+                  <a:schemeClr val="tx1"/>
+                </a:solidFill>
+                <a:latin typeface="Consolas" panose="020B0609020204030204" pitchFamily="49" charset="0"/>
+                <a:cs typeface="Consolas" panose="020B0609020204030204" pitchFamily="49" charset="0"/>
+              </a:rPr>
+              <a:t>s.getSize</a:t>
+            </a:r>
+            <a:r>
+              <a:rPr lang="fr-BE" sz="2000" b="1" dirty="0" smtClean="0">
+                <a:solidFill>
+                  <a:schemeClr val="tx1"/>
+                </a:solidFill>
+                <a:latin typeface="Consolas" panose="020B0609020204030204" pitchFamily="49" charset="0"/>
+                <a:cs typeface="Consolas" panose="020B0609020204030204" pitchFamily="49" charset="0"/>
+              </a:rPr>
+              <a:t>());</a:t>
+            </a:r>
+          </a:p>
+          <a:p>
+            <a:endParaRPr lang="fr-BE" sz="2000" b="1" dirty="0" smtClean="0">
+              <a:solidFill>
+                <a:schemeClr val="tx1"/>
+              </a:solidFill>
+              <a:latin typeface="Consolas" panose="020B0609020204030204" pitchFamily="49" charset="0"/>
+              <a:cs typeface="Consolas" panose="020B0609020204030204" pitchFamily="49" charset="0"/>
+            </a:endParaRPr>
+          </a:p>
+          <a:p>
+            <a:r>
+              <a:rPr lang="fr-BE" sz="2000" b="1" dirty="0" smtClean="0">
+                <a:solidFill>
+                  <a:schemeClr val="tx1"/>
+                </a:solidFill>
+                <a:latin typeface="Consolas" panose="020B0609020204030204" pitchFamily="49" charset="0"/>
+                <a:cs typeface="Consolas" panose="020B0609020204030204" pitchFamily="49" charset="0"/>
+              </a:rPr>
+              <a:t>Double </a:t>
+            </a:r>
+            <a:r>
+              <a:rPr lang="fr-BE" sz="2000" b="1" dirty="0" err="1" smtClean="0">
+                <a:solidFill>
+                  <a:schemeClr val="tx1"/>
+                </a:solidFill>
+                <a:latin typeface="Consolas" panose="020B0609020204030204" pitchFamily="49" charset="0"/>
+                <a:cs typeface="Consolas" panose="020B0609020204030204" pitchFamily="49" charset="0"/>
+              </a:rPr>
+              <a:t>average</a:t>
+            </a:r>
+            <a:r>
+              <a:rPr lang="fr-BE" sz="2000" b="1" dirty="0" smtClean="0">
+                <a:solidFill>
+                  <a:schemeClr val="tx1"/>
+                </a:solidFill>
+                <a:latin typeface="Consolas" panose="020B0609020204030204" pitchFamily="49" charset="0"/>
+                <a:cs typeface="Consolas" panose="020B0609020204030204" pitchFamily="49" charset="0"/>
+              </a:rPr>
+              <a:t> = </a:t>
+            </a:r>
+            <a:r>
+              <a:rPr lang="fr-BE" sz="2000" b="1" dirty="0" err="1" smtClean="0">
+                <a:solidFill>
+                  <a:schemeClr val="tx1"/>
+                </a:solidFill>
+                <a:latin typeface="Consolas" panose="020B0609020204030204" pitchFamily="49" charset="0"/>
+                <a:cs typeface="Consolas" panose="020B0609020204030204" pitchFamily="49" charset="0"/>
+              </a:rPr>
+              <a:t>greenShapeSizes.average</a:t>
+            </a:r>
+            <a:r>
+              <a:rPr lang="fr-BE" sz="2000" b="1" dirty="0" smtClean="0">
+                <a:solidFill>
+                  <a:schemeClr val="tx1"/>
+                </a:solidFill>
+                <a:latin typeface="Consolas" panose="020B0609020204030204" pitchFamily="49" charset="0"/>
+                <a:cs typeface="Consolas" panose="020B0609020204030204" pitchFamily="49" charset="0"/>
+              </a:rPr>
+              <a:t>();</a:t>
+            </a:r>
+            <a:endParaRPr lang="fr-BE" sz="2000" b="1" dirty="0" smtClean="0">
+              <a:solidFill>
+                <a:schemeClr val="tx1"/>
+              </a:solidFill>
+              <a:latin typeface="Consolas" panose="020B0609020204030204" pitchFamily="49" charset="0"/>
+              <a:cs typeface="Consolas" panose="020B0609020204030204" pitchFamily="49" charset="0"/>
+            </a:endParaRPr>
+          </a:p>
+        </p:txBody>
+      </p:sp>
+      <p:sp>
+        <p:nvSpPr>
+          <p:cNvPr id="7" name="Ellipse 6"/>
+          <p:cNvSpPr/>
+          <p:nvPr/>
+        </p:nvSpPr>
+        <p:spPr>
+          <a:xfrm>
+            <a:off x="8335321" y="3482433"/>
+            <a:ext cx="504056" cy="504056"/>
+          </a:xfrm>
+          <a:prstGeom prst="ellipse">
+            <a:avLst/>
+          </a:prstGeom>
+        </p:spPr>
+        <p:style>
+          <a:lnRef idx="2">
+            <a:schemeClr val="accent2">
+              <a:shade val="50000"/>
+            </a:schemeClr>
+          </a:lnRef>
+          <a:fillRef idx="1">
+            <a:schemeClr val="accent2"/>
+          </a:fillRef>
+          <a:effectRef idx="0">
+            <a:schemeClr val="accent2"/>
+          </a:effectRef>
+          <a:fontRef idx="minor">
+            <a:schemeClr val="lt1"/>
+          </a:fontRef>
+        </p:style>
+        <p:txBody>
+          <a:bodyPr rtlCol="0" anchor="ctr"/>
+          <a:lstStyle/>
+          <a:p>
+            <a:pPr algn="ctr"/>
+            <a:r>
+              <a:rPr lang="fr-BE" sz="2800" b="1" dirty="0" smtClean="0"/>
+              <a:t>?</a:t>
+            </a:r>
+            <a:endParaRPr lang="fr-BE" sz="2800" b="1" dirty="0"/>
           </a:p>
         </p:txBody>
       </p:sp>
     </p:spTree>
     <p:extLst>
       <p:ext uri="{BB962C8B-B14F-4D97-AF65-F5344CB8AC3E}">
-        <p14:creationId xmlns:p14="http://schemas.microsoft.com/office/powerpoint/2010/main" val="3742497077"/>
+        <p14:creationId xmlns:p14="http://schemas.microsoft.com/office/powerpoint/2010/main" val="694476157"/>
       </p:ext>
     </p:extLst>
   </p:cSld>
@@ -12958,8 +13521,8 @@
           <a:lstStyle/>
           <a:p>
             <a:r>
-              <a:rPr lang="fr-BE" dirty="0" smtClean="0"/>
-              <a:t>Reference</a:t>
+              <a:rPr lang="fr-BE" dirty="0" err="1" smtClean="0"/>
+              <a:t>Exercises</a:t>
             </a:r>
             <a:endParaRPr lang="fr-BE" dirty="0"/>
           </a:p>
@@ -12982,100 +13545,37 @@
           <a:p>
             <a:r>
               <a:rPr lang="fr-BE" dirty="0" smtClean="0"/>
-              <a:t>Brian </a:t>
-            </a:r>
-            <a:r>
-              <a:rPr lang="fr-BE" dirty="0" err="1" smtClean="0"/>
-              <a:t>Goetz</a:t>
+              <a:t>Default </a:t>
+            </a:r>
+            <a:r>
+              <a:rPr lang="fr-BE" dirty="0" err="1" smtClean="0"/>
+              <a:t>Methods</a:t>
             </a:r>
             <a:endParaRPr lang="fr-BE" dirty="0" smtClean="0"/>
           </a:p>
           <a:p>
-            <a:pPr lvl="1"/>
-            <a:r>
-              <a:rPr lang="fr-BE" dirty="0" smtClean="0"/>
-              <a:t>State of the Lambda</a:t>
-            </a:r>
-            <a:br>
-              <a:rPr lang="fr-BE" dirty="0" smtClean="0"/>
-            </a:br>
-            <a:r>
-              <a:rPr lang="fr-BE" dirty="0" smtClean="0">
-                <a:hlinkClick r:id="rId2"/>
-              </a:rPr>
-              <a:t>http</a:t>
-            </a:r>
-            <a:r>
-              <a:rPr lang="fr-BE" dirty="0">
-                <a:hlinkClick r:id="rId2"/>
-              </a:rPr>
-              <a:t>://cr.openjdk.java.net/~</a:t>
-            </a:r>
-            <a:r>
-              <a:rPr lang="fr-BE" dirty="0" smtClean="0">
-                <a:hlinkClick r:id="rId2"/>
-              </a:rPr>
-              <a:t>briangoetz/lambda/</a:t>
-            </a:r>
-            <a:br>
-              <a:rPr lang="fr-BE" dirty="0" smtClean="0">
-                <a:hlinkClick r:id="rId2"/>
-              </a:rPr>
-            </a:br>
-            <a:r>
-              <a:rPr lang="fr-BE" dirty="0" smtClean="0">
-                <a:hlinkClick r:id="rId2"/>
-              </a:rPr>
-              <a:t>lambda-state-final.html</a:t>
-            </a:r>
-            <a:endParaRPr lang="fr-BE" dirty="0" smtClean="0"/>
-          </a:p>
-          <a:p>
-            <a:pPr lvl="1"/>
-            <a:r>
-              <a:rPr lang="fr-BE" dirty="0" smtClean="0"/>
-              <a:t>State of the Lambda: </a:t>
-            </a:r>
-            <a:r>
-              <a:rPr lang="fr-BE" dirty="0" err="1" smtClean="0"/>
-              <a:t>Libraries</a:t>
-            </a:r>
-            <a:r>
-              <a:rPr lang="fr-BE" dirty="0" smtClean="0"/>
-              <a:t> Edition</a:t>
-            </a:r>
-            <a:br>
-              <a:rPr lang="fr-BE" dirty="0" smtClean="0"/>
-            </a:br>
-            <a:r>
-              <a:rPr lang="fr-BE" dirty="0" smtClean="0">
-                <a:hlinkClick r:id="rId3"/>
-              </a:rPr>
-              <a:t>http</a:t>
-            </a:r>
-            <a:r>
-              <a:rPr lang="fr-BE" dirty="0">
-                <a:hlinkClick r:id="rId3"/>
-              </a:rPr>
-              <a:t>://cr.openjdk.java.net/~briangoetz/lambda</a:t>
-            </a:r>
-            <a:r>
-              <a:rPr lang="fr-BE" dirty="0" smtClean="0">
-                <a:hlinkClick r:id="rId3"/>
-              </a:rPr>
-              <a:t>/</a:t>
-            </a:r>
-            <a:br>
-              <a:rPr lang="fr-BE" dirty="0" smtClean="0">
-                <a:hlinkClick r:id="rId3"/>
-              </a:rPr>
-            </a:br>
-            <a:r>
-              <a:rPr lang="fr-BE" dirty="0" smtClean="0">
-                <a:hlinkClick r:id="rId3"/>
-              </a:rPr>
-              <a:t>lambda-libraries-final.html</a:t>
-            </a:r>
+            <a:r>
+              <a:rPr lang="fr-BE" dirty="0" smtClean="0"/>
+              <a:t>New </a:t>
+            </a:r>
+            <a:r>
+              <a:rPr lang="fr-BE" dirty="0" err="1" smtClean="0"/>
+              <a:t>methods</a:t>
+            </a:r>
+            <a:r>
+              <a:rPr lang="fr-BE" dirty="0" smtClean="0"/>
+              <a:t> in java </a:t>
+            </a:r>
+            <a:r>
+              <a:rPr lang="fr-BE" dirty="0" err="1" smtClean="0"/>
+              <a:t>core</a:t>
+            </a:r>
+            <a:r>
+              <a:rPr lang="fr-BE" dirty="0" smtClean="0"/>
+              <a:t> classes</a:t>
+            </a:r>
+          </a:p>
+          <a:p>
             <a:endParaRPr lang="fr-BE" dirty="0"/>
           </a:p>
         </p:txBody>
@@ -13083,13 +13583,20 @@
     </p:spTree>
     <p:extLst>
       <p:ext uri="{BB962C8B-B14F-4D97-AF65-F5344CB8AC3E}">
-        <p14:creationId xmlns:p14="http://schemas.microsoft.com/office/powerpoint/2010/main" val="85209015"/>
+        <p14:creationId xmlns:p14="http://schemas.microsoft.com/office/powerpoint/2010/main" val="3742497077"/>
       </p:ext>
     </p:extLst>
   </p:cSld>
   <p:clrMapOvr>
     <a:masterClrMapping/>
   </p:clrMapOvr>
+  <p:timing>
+    <p:tnLst>
+      <p:par>
+        <p:cTn id="1" dur="indefinite" restart="never" nodeType="tmRoot"/>
+      </p:par>
+    </p:tnLst>
+  </p:timing>
 </p:sld>
 </file>
 
@@ -13359,26 +13866,12 @@
         </p:nvSpPr>
         <p:spPr/>
         <p:txBody>
-          <a:bodyPr>
-            <a:normAutofit/>
-          </a:bodyPr>
+          <a:bodyPr/>
           <a:lstStyle/>
           <a:p>
             <a:r>
-              <a:rPr lang="fr-BE" dirty="0" err="1" smtClean="0"/>
-              <a:t>Why</a:t>
-            </a:r>
-            <a:r>
-              <a:rPr lang="fr-BE" dirty="0" smtClean="0"/>
-              <a:t> not </a:t>
-            </a:r>
-            <a:r>
-              <a:rPr lang="fr-BE" dirty="0" err="1" smtClean="0"/>
-              <a:t>replacing</a:t>
-            </a:r>
-            <a:r>
-              <a:rPr lang="fr-BE" dirty="0" smtClean="0"/>
-              <a:t> Collections API ?</a:t>
+              <a:rPr lang="fr-BE" dirty="0" smtClean="0"/>
+              <a:t>Reference</a:t>
             </a:r>
             <a:endParaRPr lang="fr-BE" dirty="0"/>
           </a:p>
@@ -13401,42 +13894,100 @@
           <a:p>
             <a:r>
               <a:rPr lang="fr-BE" dirty="0" smtClean="0"/>
-              <a:t>Major </a:t>
-            </a:r>
-            <a:r>
-              <a:rPr lang="fr-BE" dirty="0" err="1" smtClean="0"/>
-              <a:t>task</a:t>
+              <a:t>Brian </a:t>
+            </a:r>
+            <a:r>
+              <a:rPr lang="fr-BE" dirty="0" err="1" smtClean="0"/>
+              <a:t>Goetz</a:t>
             </a:r>
             <a:endParaRPr lang="fr-BE" dirty="0" smtClean="0"/>
           </a:p>
           <a:p>
-            <a:r>
-              <a:rPr lang="fr-BE" dirty="0" smtClean="0"/>
-              <a:t>Adoption </a:t>
-            </a:r>
-            <a:r>
-              <a:rPr lang="fr-BE" dirty="0" err="1" smtClean="0"/>
-              <a:t>lag</a:t>
-            </a:r>
-            <a:r>
-              <a:rPr lang="fr-BE" dirty="0" smtClean="0"/>
-              <a:t> of </a:t>
-            </a:r>
-            <a:r>
-              <a:rPr lang="fr-BE" dirty="0" err="1" smtClean="0"/>
-              <a:t>many</a:t>
-            </a:r>
-            <a:r>
-              <a:rPr lang="fr-BE" dirty="0" smtClean="0"/>
-              <a:t> </a:t>
-            </a:r>
-            <a:r>
-              <a:rPr lang="fr-BE" dirty="0" err="1" smtClean="0"/>
-              <a:t>years</a:t>
+            <a:pPr lvl="1"/>
+            <a:r>
+              <a:rPr lang="fr-BE" dirty="0" smtClean="0"/>
+              <a:t>State of the Lambda</a:t>
+            </a:r>
+            <a:br>
+              <a:rPr lang="fr-BE" dirty="0" smtClean="0"/>
+            </a:br>
+            <a:r>
+              <a:rPr lang="fr-BE" dirty="0" smtClean="0">
+                <a:hlinkClick r:id="rId2"/>
+              </a:rPr>
+              <a:t>http</a:t>
+            </a:r>
+            <a:r>
+              <a:rPr lang="fr-BE" dirty="0">
+                <a:hlinkClick r:id="rId2"/>
+              </a:rPr>
+              <a:t>://cr.openjdk.java.net/~</a:t>
+            </a:r>
+            <a:r>
+              <a:rPr lang="fr-BE" dirty="0" smtClean="0">
+                <a:hlinkClick r:id="rId2"/>
+              </a:rPr>
+              <a:t>briangoetz/lambda/</a:t>
+            </a:r>
+            <a:br>
+              <a:rPr lang="fr-BE" dirty="0" smtClean="0">
+                <a:hlinkClick r:id="rId2"/>
+              </a:rPr>
+            </a:br>
+            <a:r>
+              <a:rPr lang="fr-BE" dirty="0" smtClean="0">
+                <a:hlinkClick r:id="rId2"/>
+              </a:rPr>
+              <a:t>lambda-state-final.html</a:t>
             </a:r>
             <a:endParaRPr lang="fr-BE" dirty="0" smtClean="0"/>
           </a:p>
           <a:p>
+            <a:pPr lvl="1"/>
+            <a:r>
+              <a:rPr lang="fr-BE" dirty="0" smtClean="0"/>
+              <a:t>State of the Lambda: </a:t>
+            </a:r>
+            <a:r>
+              <a:rPr lang="fr-BE" dirty="0" err="1" smtClean="0"/>
+              <a:t>Libraries</a:t>
+            </a:r>
+            <a:r>
+              <a:rPr lang="fr-BE" dirty="0" smtClean="0"/>
+              <a:t> Edition</a:t>
+            </a:r>
+            <a:br>
+              <a:rPr lang="fr-BE" dirty="0" smtClean="0"/>
+            </a:br>
+            <a:r>
+              <a:rPr lang="fr-BE" dirty="0" smtClean="0">
+                <a:hlinkClick r:id="rId3"/>
+              </a:rPr>
+              <a:t>http</a:t>
+            </a:r>
+            <a:r>
+              <a:rPr lang="fr-BE" dirty="0">
+                <a:hlinkClick r:id="rId3"/>
+              </a:rPr>
+              <a:t>://cr.openjdk.java.net/~briangoetz/lambda</a:t>
+            </a:r>
+            <a:r>
+              <a:rPr lang="fr-BE" dirty="0" smtClean="0">
+                <a:hlinkClick r:id="rId3"/>
+              </a:rPr>
+              <a:t>/</a:t>
+            </a:r>
+            <a:br>
+              <a:rPr lang="fr-BE" dirty="0" smtClean="0">
+                <a:hlinkClick r:id="rId3"/>
+              </a:rPr>
+            </a:br>
+            <a:r>
+              <a:rPr lang="fr-BE" dirty="0" smtClean="0">
+                <a:hlinkClick r:id="rId3"/>
+              </a:rPr>
+              <a:t>lambda-libraries-final.html</a:t>
+            </a:r>
             <a:endParaRPr lang="fr-BE" dirty="0"/>
           </a:p>
         </p:txBody>
@@ -13444,7 +13995,7 @@
     </p:spTree>
     <p:extLst>
       <p:ext uri="{BB962C8B-B14F-4D97-AF65-F5344CB8AC3E}">
-        <p14:creationId xmlns:p14="http://schemas.microsoft.com/office/powerpoint/2010/main" val="3450409248"/>
+        <p14:creationId xmlns:p14="http://schemas.microsoft.com/office/powerpoint/2010/main" val="85209015"/>
       </p:ext>
     </p:extLst>
   </p:cSld>
@@ -13483,12 +14034,26 @@
         </p:nvSpPr>
         <p:spPr/>
         <p:txBody>
-          <a:bodyPr/>
+          <a:bodyPr>
+            <a:normAutofit/>
+          </a:bodyPr>
           <a:lstStyle/>
           <a:p>
             <a:r>
-              <a:rPr lang="fr-BE" dirty="0" smtClean="0"/>
-              <a:t>Key drivers</a:t>
+              <a:rPr lang="fr-BE" dirty="0" err="1" smtClean="0"/>
+              <a:t>Why</a:t>
+            </a:r>
+            <a:r>
+              <a:rPr lang="fr-BE" dirty="0" smtClean="0"/>
+              <a:t> not </a:t>
+            </a:r>
+            <a:r>
+              <a:rPr lang="fr-BE" dirty="0" err="1" smtClean="0"/>
+              <a:t>replacing</a:t>
+            </a:r>
+            <a:r>
+              <a:rPr lang="fr-BE" dirty="0" smtClean="0"/>
+              <a:t> Collections API ?</a:t>
             </a:r>
             <a:endParaRPr lang="fr-BE" dirty="0"/>
           </a:p>
@@ -13504,21 +14069,37 @@
             <p:ph idx="1"/>
           </p:nvPr>
         </p:nvSpPr>
-        <p:spPr>
-          <a:xfrm>
-            <a:off x="457200" y="1600200"/>
-            <a:ext cx="8229600" cy="4925144"/>
-          </a:xfrm>
-        </p:spPr>
+        <p:spPr/>
         <p:txBody>
-          <a:bodyPr>
-            <a:normAutofit/>
-          </a:bodyPr>
+          <a:bodyPr/>
           <a:lstStyle/>
           <a:p>
             <a:r>
-              <a:rPr lang="fr-BE" dirty="0" err="1" smtClean="0"/>
-              <a:t>Make</a:t>
+              <a:rPr lang="fr-BE" dirty="0" smtClean="0"/>
+              <a:t>Major </a:t>
+            </a:r>
+            <a:r>
+              <a:rPr lang="fr-BE" dirty="0" err="1" smtClean="0"/>
+              <a:t>task</a:t>
+            </a:r>
+            <a:endParaRPr lang="fr-BE" dirty="0" smtClean="0"/>
+          </a:p>
+          <a:p>
+            <a:r>
+              <a:rPr lang="fr-BE" dirty="0" smtClean="0"/>
+              <a:t>Adoption </a:t>
+            </a:r>
+            <a:r>
+              <a:rPr lang="fr-BE" dirty="0" err="1" smtClean="0"/>
+              <a:t>lag</a:t>
+            </a:r>
+            <a:r>
+              <a:rPr lang="fr-BE" dirty="0" smtClean="0"/>
+              <a:t> of </a:t>
+            </a:r>
+            <a:r>
+              <a:rPr lang="fr-BE" dirty="0" err="1" smtClean="0"/>
+              <a:t>many</a:t>
             </a:r>
             <a:r>
               <a:rPr lang="fr-BE" dirty="0" smtClean="0"/>
@@ -13526,216 +14107,11 @@
             </a:r>
             <a:r>
               <a:rPr lang="fr-BE" dirty="0" err="1" smtClean="0"/>
-              <a:t>parallelism</a:t>
-            </a:r>
-            <a:r>
-              <a:rPr lang="fr-BE" dirty="0" smtClean="0"/>
-              <a:t> more accessible to </a:t>
-            </a:r>
-            <a:r>
-              <a:rPr lang="fr-BE" dirty="0" err="1" smtClean="0"/>
-              <a:t>developers</a:t>
+              <a:t>years</a:t>
             </a:r>
             <a:endParaRPr lang="fr-BE" dirty="0" smtClean="0"/>
           </a:p>
           <a:p>
-            <a:r>
-              <a:rPr lang="fr-BE" dirty="0" err="1" smtClean="0"/>
-              <a:t>Remove</a:t>
-            </a:r>
-            <a:r>
-              <a:rPr lang="fr-BE" dirty="0" smtClean="0"/>
-              <a:t> </a:t>
-            </a:r>
-            <a:r>
-              <a:rPr lang="fr-BE" dirty="0" err="1" smtClean="0"/>
-              <a:t>unnecessary</a:t>
-            </a:r>
-            <a:r>
-              <a:rPr lang="fr-BE" dirty="0" smtClean="0"/>
-              <a:t> </a:t>
-            </a:r>
-            <a:r>
-              <a:rPr lang="fr-BE" dirty="0" err="1" smtClean="0"/>
-              <a:t>impediments</a:t>
-            </a:r>
-            <a:r>
-              <a:rPr lang="fr-BE" dirty="0" smtClean="0"/>
-              <a:t> to </a:t>
-            </a:r>
-            <a:r>
-              <a:rPr lang="fr-BE" dirty="0" err="1" smtClean="0"/>
-              <a:t>migrate</a:t>
-            </a:r>
-            <a:r>
-              <a:rPr lang="fr-BE" dirty="0" smtClean="0"/>
-              <a:t> code </a:t>
-            </a:r>
-            <a:r>
-              <a:rPr lang="fr-BE" dirty="0" err="1" smtClean="0"/>
-              <a:t>form</a:t>
-            </a:r>
-            <a:r>
-              <a:rPr lang="fr-BE" dirty="0" smtClean="0"/>
-              <a:t> </a:t>
-            </a:r>
-            <a:r>
-              <a:rPr lang="fr-BE" dirty="0" err="1" smtClean="0"/>
-              <a:t>sequential</a:t>
-            </a:r>
-            <a:r>
-              <a:rPr lang="fr-BE" dirty="0" smtClean="0"/>
-              <a:t> to </a:t>
-            </a:r>
-            <a:r>
-              <a:rPr lang="fr-BE" dirty="0" err="1" smtClean="0"/>
-              <a:t>parallel</a:t>
-            </a:r>
-            <a:endParaRPr lang="fr-BE" dirty="0" smtClean="0"/>
-          </a:p>
-          <a:p>
-            <a:r>
-              <a:rPr lang="fr-BE" dirty="0" smtClean="0"/>
-              <a:t>Encourage </a:t>
-            </a:r>
-            <a:r>
-              <a:rPr lang="fr-BE" dirty="0" err="1" smtClean="0"/>
-              <a:t>idioms</a:t>
-            </a:r>
-            <a:r>
-              <a:rPr lang="fr-BE" dirty="0" smtClean="0"/>
-              <a:t> </a:t>
-            </a:r>
-            <a:r>
-              <a:rPr lang="fr-BE" dirty="0" err="1" smtClean="0"/>
-              <a:t>that</a:t>
-            </a:r>
-            <a:r>
-              <a:rPr lang="fr-BE" dirty="0" smtClean="0"/>
-              <a:t> are </a:t>
-            </a:r>
-            <a:r>
-              <a:rPr lang="fr-BE" i="1" dirty="0" err="1" smtClean="0"/>
-              <a:t>both</a:t>
-            </a:r>
-            <a:r>
-              <a:rPr lang="fr-BE" dirty="0" smtClean="0"/>
-              <a:t> </a:t>
-            </a:r>
-            <a:r>
-              <a:rPr lang="fr-BE" dirty="0" err="1" smtClean="0"/>
-              <a:t>sequential</a:t>
-            </a:r>
-            <a:r>
-              <a:rPr lang="fr-BE" dirty="0" smtClean="0"/>
-              <a:t>- and </a:t>
-            </a:r>
-            <a:r>
-              <a:rPr lang="fr-BE" dirty="0" err="1" smtClean="0"/>
-              <a:t>parallel-friendly</a:t>
-            </a:r>
-            <a:r>
-              <a:rPr lang="fr-BE" dirty="0" smtClean="0"/>
-              <a:t>.</a:t>
-            </a:r>
-          </a:p>
-          <a:p>
-            <a:r>
-              <a:rPr lang="fr-BE" dirty="0" smtClean="0"/>
-              <a:t>Shift focus </a:t>
-            </a:r>
-            <a:r>
-              <a:rPr lang="fr-BE" dirty="0" err="1" smtClean="0"/>
-              <a:t>from</a:t>
-            </a:r>
-            <a:r>
-              <a:rPr lang="fr-BE" dirty="0" smtClean="0"/>
-              <a:t> </a:t>
-            </a:r>
-            <a:r>
-              <a:rPr lang="fr-BE" i="1" dirty="0" err="1" smtClean="0"/>
-              <a:t>what</a:t>
-            </a:r>
-            <a:r>
-              <a:rPr lang="fr-BE" dirty="0" smtClean="0"/>
-              <a:t> computation </a:t>
-            </a:r>
-            <a:r>
-              <a:rPr lang="fr-BE" dirty="0" err="1" smtClean="0"/>
-              <a:t>should</a:t>
-            </a:r>
-            <a:r>
-              <a:rPr lang="fr-BE" dirty="0" smtClean="0"/>
-              <a:t> </a:t>
-            </a:r>
-            <a:r>
-              <a:rPr lang="fr-BE" dirty="0" err="1" smtClean="0"/>
-              <a:t>be</a:t>
-            </a:r>
-            <a:r>
-              <a:rPr lang="fr-BE" dirty="0" smtClean="0"/>
-              <a:t> </a:t>
-            </a:r>
-            <a:r>
-              <a:rPr lang="fr-BE" dirty="0" err="1" smtClean="0"/>
-              <a:t>performed</a:t>
-            </a:r>
-            <a:r>
-              <a:rPr lang="fr-BE" dirty="0" smtClean="0"/>
-              <a:t>, </a:t>
-            </a:r>
-            <a:r>
-              <a:rPr lang="fr-BE" dirty="0" err="1" smtClean="0"/>
-              <a:t>rather</a:t>
-            </a:r>
-            <a:r>
-              <a:rPr lang="fr-BE" dirty="0" smtClean="0"/>
-              <a:t> </a:t>
-            </a:r>
-            <a:r>
-              <a:rPr lang="fr-BE" dirty="0" err="1" smtClean="0"/>
-              <a:t>than</a:t>
-            </a:r>
-            <a:r>
-              <a:rPr lang="fr-BE" dirty="0" smtClean="0"/>
-              <a:t> </a:t>
-            </a:r>
-            <a:r>
-              <a:rPr lang="fr-BE" i="1" dirty="0" smtClean="0"/>
-              <a:t>how</a:t>
-            </a:r>
-            <a:r>
-              <a:rPr lang="fr-BE" dirty="0" smtClean="0"/>
-              <a:t> </a:t>
-            </a:r>
-            <a:r>
-              <a:rPr lang="fr-BE" dirty="0" err="1" smtClean="0"/>
-              <a:t>it</a:t>
-            </a:r>
-            <a:r>
-              <a:rPr lang="fr-BE" dirty="0" smtClean="0"/>
-              <a:t> </a:t>
-            </a:r>
-            <a:r>
-              <a:rPr lang="fr-BE" dirty="0" err="1" smtClean="0"/>
-              <a:t>should</a:t>
-            </a:r>
-            <a:r>
-              <a:rPr lang="fr-BE" dirty="0" smtClean="0"/>
-              <a:t> </a:t>
-            </a:r>
-            <a:r>
-              <a:rPr lang="fr-BE" dirty="0" err="1" smtClean="0"/>
-              <a:t>be</a:t>
-            </a:r>
-            <a:r>
-              <a:rPr lang="fr-BE" dirty="0" smtClean="0"/>
-              <a:t> </a:t>
-            </a:r>
-            <a:r>
-              <a:rPr lang="fr-BE" dirty="0" err="1" smtClean="0"/>
-              <a:t>performed</a:t>
-            </a:r>
             <a:endParaRPr lang="fr-BE" dirty="0"/>
           </a:p>
         </p:txBody>
@@ -13743,7 +14119,7 @@
     </p:spTree>
     <p:extLst>
       <p:ext uri="{BB962C8B-B14F-4D97-AF65-F5344CB8AC3E}">
-        <p14:creationId xmlns:p14="http://schemas.microsoft.com/office/powerpoint/2010/main" val="1094393119"/>
+        <p14:creationId xmlns:p14="http://schemas.microsoft.com/office/powerpoint/2010/main" val="3450409248"/>
       </p:ext>
     </p:extLst>
   </p:cSld>
@@ -13786,6 +14162,305 @@
           <a:lstStyle/>
           <a:p>
             <a:r>
+              <a:rPr lang="fr-BE" dirty="0" smtClean="0"/>
+              <a:t>Key drivers</a:t>
+            </a:r>
+            <a:endParaRPr lang="fr-BE" dirty="0"/>
+          </a:p>
+        </p:txBody>
+      </p:sp>
+      <p:sp>
+        <p:nvSpPr>
+          <p:cNvPr id="3" name="Espace réservé du contenu 2"/>
+          <p:cNvSpPr>
+            <a:spLocks noGrp="1"/>
+          </p:cNvSpPr>
+          <p:nvPr>
+            <p:ph idx="1"/>
+          </p:nvPr>
+        </p:nvSpPr>
+        <p:spPr>
+          <a:xfrm>
+            <a:off x="457200" y="1600200"/>
+            <a:ext cx="8229600" cy="4925144"/>
+          </a:xfrm>
+        </p:spPr>
+        <p:txBody>
+          <a:bodyPr>
+            <a:normAutofit/>
+          </a:bodyPr>
+          <a:lstStyle/>
+          <a:p>
+            <a:r>
+              <a:rPr lang="fr-BE" dirty="0" err="1" smtClean="0"/>
+              <a:t>Make</a:t>
+            </a:r>
+            <a:r>
+              <a:rPr lang="fr-BE" dirty="0" smtClean="0"/>
+              <a:t> </a:t>
+            </a:r>
+            <a:r>
+              <a:rPr lang="fr-BE" dirty="0" err="1" smtClean="0"/>
+              <a:t>parallelism</a:t>
+            </a:r>
+            <a:r>
+              <a:rPr lang="fr-BE" dirty="0" smtClean="0"/>
+              <a:t> more accessible to </a:t>
+            </a:r>
+            <a:r>
+              <a:rPr lang="fr-BE" dirty="0" err="1" smtClean="0"/>
+              <a:t>developers</a:t>
+            </a:r>
+            <a:endParaRPr lang="fr-BE" dirty="0" smtClean="0"/>
+          </a:p>
+          <a:p>
+            <a:r>
+              <a:rPr lang="fr-BE" dirty="0" err="1" smtClean="0"/>
+              <a:t>Remove</a:t>
+            </a:r>
+            <a:r>
+              <a:rPr lang="fr-BE" dirty="0" smtClean="0"/>
+              <a:t> </a:t>
+            </a:r>
+            <a:r>
+              <a:rPr lang="fr-BE" dirty="0" err="1" smtClean="0"/>
+              <a:t>unnecessary</a:t>
+            </a:r>
+            <a:r>
+              <a:rPr lang="fr-BE" dirty="0" smtClean="0"/>
+              <a:t> </a:t>
+            </a:r>
+            <a:r>
+              <a:rPr lang="fr-BE" dirty="0" err="1" smtClean="0"/>
+              <a:t>impediments</a:t>
+            </a:r>
+            <a:r>
+              <a:rPr lang="fr-BE" dirty="0" smtClean="0"/>
+              <a:t> to </a:t>
+            </a:r>
+            <a:r>
+              <a:rPr lang="fr-BE" dirty="0" err="1" smtClean="0"/>
+              <a:t>migrate</a:t>
+            </a:r>
+            <a:r>
+              <a:rPr lang="fr-BE" dirty="0" smtClean="0"/>
+              <a:t> code </a:t>
+            </a:r>
+            <a:r>
+              <a:rPr lang="fr-BE" dirty="0" err="1" smtClean="0"/>
+              <a:t>form</a:t>
+            </a:r>
+            <a:r>
+              <a:rPr lang="fr-BE" dirty="0" smtClean="0"/>
+              <a:t> </a:t>
+            </a:r>
+            <a:r>
+              <a:rPr lang="fr-BE" dirty="0" err="1" smtClean="0"/>
+              <a:t>sequential</a:t>
+            </a:r>
+            <a:r>
+              <a:rPr lang="fr-BE" dirty="0" smtClean="0"/>
+              <a:t> to </a:t>
+            </a:r>
+            <a:r>
+              <a:rPr lang="fr-BE" dirty="0" err="1" smtClean="0"/>
+              <a:t>parallel</a:t>
+            </a:r>
+            <a:endParaRPr lang="fr-BE" dirty="0" smtClean="0"/>
+          </a:p>
+          <a:p>
+            <a:r>
+              <a:rPr lang="fr-BE" dirty="0" smtClean="0"/>
+              <a:t>Encourage </a:t>
+            </a:r>
+            <a:r>
+              <a:rPr lang="fr-BE" dirty="0" err="1" smtClean="0"/>
+              <a:t>idioms</a:t>
+            </a:r>
+            <a:r>
+              <a:rPr lang="fr-BE" dirty="0" smtClean="0"/>
+              <a:t> </a:t>
+            </a:r>
+            <a:r>
+              <a:rPr lang="fr-BE" dirty="0" err="1" smtClean="0"/>
+              <a:t>that</a:t>
+            </a:r>
+            <a:r>
+              <a:rPr lang="fr-BE" dirty="0" smtClean="0"/>
+              <a:t> are </a:t>
+            </a:r>
+            <a:r>
+              <a:rPr lang="fr-BE" i="1" dirty="0" err="1" smtClean="0"/>
+              <a:t>both</a:t>
+            </a:r>
+            <a:r>
+              <a:rPr lang="fr-BE" dirty="0" smtClean="0"/>
+              <a:t> </a:t>
+            </a:r>
+            <a:r>
+              <a:rPr lang="fr-BE" dirty="0" err="1" smtClean="0"/>
+              <a:t>sequential</a:t>
+            </a:r>
+            <a:r>
+              <a:rPr lang="fr-BE" dirty="0" smtClean="0"/>
+              <a:t>- and </a:t>
+            </a:r>
+            <a:r>
+              <a:rPr lang="fr-BE" dirty="0" err="1" smtClean="0"/>
+              <a:t>parallel-friendly</a:t>
+            </a:r>
+            <a:r>
+              <a:rPr lang="fr-BE" dirty="0" smtClean="0"/>
+              <a:t>.</a:t>
+            </a:r>
+          </a:p>
+          <a:p>
+            <a:r>
+              <a:rPr lang="fr-BE" dirty="0" smtClean="0"/>
+              <a:t>Shift focus </a:t>
+            </a:r>
+            <a:r>
+              <a:rPr lang="fr-BE" dirty="0" err="1" smtClean="0"/>
+              <a:t>from</a:t>
+            </a:r>
+            <a:r>
+              <a:rPr lang="fr-BE" dirty="0" smtClean="0"/>
+              <a:t> </a:t>
+            </a:r>
+            <a:r>
+              <a:rPr lang="fr-BE" i="1" dirty="0" err="1" smtClean="0"/>
+              <a:t>what</a:t>
+            </a:r>
+            <a:r>
+              <a:rPr lang="fr-BE" dirty="0" smtClean="0"/>
+              <a:t> computation </a:t>
+            </a:r>
+            <a:r>
+              <a:rPr lang="fr-BE" dirty="0" err="1" smtClean="0"/>
+              <a:t>should</a:t>
+            </a:r>
+            <a:r>
+              <a:rPr lang="fr-BE" dirty="0" smtClean="0"/>
+              <a:t> </a:t>
+            </a:r>
+            <a:r>
+              <a:rPr lang="fr-BE" dirty="0" err="1" smtClean="0"/>
+              <a:t>be</a:t>
+            </a:r>
+            <a:r>
+              <a:rPr lang="fr-BE" dirty="0" smtClean="0"/>
+              <a:t> </a:t>
+            </a:r>
+            <a:r>
+              <a:rPr lang="fr-BE" dirty="0" err="1" smtClean="0"/>
+              <a:t>performed</a:t>
+            </a:r>
+            <a:r>
+              <a:rPr lang="fr-BE" dirty="0" smtClean="0"/>
+              <a:t>, </a:t>
+            </a:r>
+            <a:r>
+              <a:rPr lang="fr-BE" dirty="0" err="1" smtClean="0"/>
+              <a:t>rather</a:t>
+            </a:r>
+            <a:r>
+              <a:rPr lang="fr-BE" dirty="0" smtClean="0"/>
+              <a:t> </a:t>
+            </a:r>
+            <a:r>
+              <a:rPr lang="fr-BE" dirty="0" err="1" smtClean="0"/>
+              <a:t>than</a:t>
+            </a:r>
+            <a:r>
+              <a:rPr lang="fr-BE" dirty="0" smtClean="0"/>
+              <a:t> </a:t>
+            </a:r>
+            <a:r>
+              <a:rPr lang="fr-BE" i="1" dirty="0" smtClean="0"/>
+              <a:t>how</a:t>
+            </a:r>
+            <a:r>
+              <a:rPr lang="fr-BE" dirty="0" smtClean="0"/>
+              <a:t> </a:t>
+            </a:r>
+            <a:r>
+              <a:rPr lang="fr-BE" dirty="0" err="1" smtClean="0"/>
+              <a:t>it</a:t>
+            </a:r>
+            <a:r>
+              <a:rPr lang="fr-BE" dirty="0" smtClean="0"/>
+              <a:t> </a:t>
+            </a:r>
+            <a:r>
+              <a:rPr lang="fr-BE" dirty="0" err="1" smtClean="0"/>
+              <a:t>should</a:t>
+            </a:r>
+            <a:r>
+              <a:rPr lang="fr-BE" dirty="0" smtClean="0"/>
+              <a:t> </a:t>
+            </a:r>
+            <a:r>
+              <a:rPr lang="fr-BE" dirty="0" err="1" smtClean="0"/>
+              <a:t>be</a:t>
+            </a:r>
+            <a:r>
+              <a:rPr lang="fr-BE" dirty="0" smtClean="0"/>
+              <a:t> </a:t>
+            </a:r>
+            <a:r>
+              <a:rPr lang="fr-BE" dirty="0" err="1" smtClean="0"/>
+              <a:t>performed</a:t>
+            </a:r>
+            <a:endParaRPr lang="fr-BE" dirty="0"/>
+          </a:p>
+        </p:txBody>
+      </p:sp>
+    </p:spTree>
+    <p:extLst>
+      <p:ext uri="{BB962C8B-B14F-4D97-AF65-F5344CB8AC3E}">
+        <p14:creationId xmlns:p14="http://schemas.microsoft.com/office/powerpoint/2010/main" val="1094393119"/>
+      </p:ext>
+    </p:extLst>
+  </p:cSld>
+  <p:clrMapOvr>
+    <a:masterClrMapping/>
+  </p:clrMapOvr>
+</p:sld>
+</file>
+
+<file path=ppt/slides/slide33.xml><?xml version="1.0" encoding="utf-8"?>
+<p:sld xmlns:a="http://schemas.openxmlformats.org/drawingml/2006/main" xmlns:r="http://schemas.openxmlformats.org/officeDocument/2006/relationships" xmlns:p="http://schemas.openxmlformats.org/presentationml/2006/main">
+  <p:cSld>
+    <p:spTree>
+      <p:nvGrpSpPr>
+        <p:cNvPr id="1" name=""/>
+        <p:cNvGrpSpPr/>
+        <p:nvPr/>
+      </p:nvGrpSpPr>
+      <p:grpSpPr>
+        <a:xfrm>
+          <a:off x="0" y="0"/>
+          <a:ext cx="0" cy="0"/>
+          <a:chOff x="0" y="0"/>
+          <a:chExt cx="0" cy="0"/>
+        </a:xfrm>
+      </p:grpSpPr>
+      <p:sp>
+        <p:nvSpPr>
+          <p:cNvPr id="2" name="Titre 1"/>
+          <p:cNvSpPr>
+            <a:spLocks noGrp="1"/>
+          </p:cNvSpPr>
+          <p:nvPr>
+            <p:ph type="title"/>
+          </p:nvPr>
+        </p:nvSpPr>
+        <p:spPr/>
+        <p:txBody>
+          <a:bodyPr/>
+          <a:lstStyle/>
+          <a:p>
+            <a:r>
               <a:rPr lang="fr-BE" dirty="0" err="1" smtClean="0"/>
               <a:t>Why</a:t>
             </a:r>
@@ -13991,7 +14666,7 @@
 </p:sld>
 </file>
 
-<file path=ppt/slides/slide33.xml><?xml version="1.0" encoding="utf-8"?>
+<file path=ppt/slides/slide34.xml><?xml version="1.0" encoding="utf-8"?>
 <p:sld xmlns:a="http://schemas.openxmlformats.org/drawingml/2006/main" xmlns:r="http://schemas.openxmlformats.org/officeDocument/2006/relationships" xmlns:p="http://schemas.openxmlformats.org/presentationml/2006/main">
   <p:cSld>
     <p:spTree>

--- a/workshop-java8.pptx
+++ b/workshop-java8.pptx
@@ -240,7 +240,7 @@
           <a:p>
             <a:fld id="{B3F5A23E-8457-422A-9AD6-1801CAF2A741}" type="datetimeFigureOut">
               <a:rPr lang="fr-BE" smtClean="0"/>
-              <a:t>27/06/2014</a:t>
+              <a:t>29/08/2014</a:t>
             </a:fld>
             <a:endParaRPr lang="fr-BE"/>
           </a:p>
@@ -991,7 +991,7 @@
         <p:nvSpPr>
           <p:cNvPr id="86017" name="Rectangle 1"/>
           <p:cNvSpPr txBox="1">
-            <a:spLocks noChangeArrowheads="1"/>
+            <a:spLocks noGrp="1" noRot="1" noChangeAspect="1" noChangeArrowheads="1"/>
           </p:cNvSpPr>
           <p:nvPr>
             <p:ph type="sldImg"/>
@@ -1033,7 +1033,7 @@
         <p:nvSpPr>
           <p:cNvPr id="86018" name="Rectangle 2"/>
           <p:cNvSpPr txBox="1">
-            <a:spLocks noChangeArrowheads="1"/>
+            <a:spLocks noGrp="1" noChangeArrowheads="1"/>
           </p:cNvSpPr>
           <p:nvPr>
             <p:ph type="body" idx="1"/>
@@ -1149,7 +1149,7 @@
         <p:nvSpPr>
           <p:cNvPr id="84993" name="Rectangle 1"/>
           <p:cNvSpPr txBox="1">
-            <a:spLocks noChangeArrowheads="1"/>
+            <a:spLocks noGrp="1" noRot="1" noChangeAspect="1" noChangeArrowheads="1"/>
           </p:cNvSpPr>
           <p:nvPr>
             <p:ph type="sldImg"/>
@@ -1191,7 +1191,7 @@
         <p:nvSpPr>
           <p:cNvPr id="84994" name="Rectangle 2"/>
           <p:cNvSpPr txBox="1">
-            <a:spLocks noChangeArrowheads="1"/>
+            <a:spLocks noGrp="1" noChangeArrowheads="1"/>
           </p:cNvSpPr>
           <p:nvPr>
             <p:ph type="body" idx="1"/>
@@ -1307,7 +1307,7 @@
         <p:nvSpPr>
           <p:cNvPr id="84993" name="Rectangle 1"/>
           <p:cNvSpPr txBox="1">
-            <a:spLocks noChangeArrowheads="1"/>
+            <a:spLocks noGrp="1" noRot="1" noChangeAspect="1" noChangeArrowheads="1"/>
           </p:cNvSpPr>
           <p:nvPr>
             <p:ph type="sldImg"/>
@@ -1349,7 +1349,7 @@
         <p:nvSpPr>
           <p:cNvPr id="84994" name="Rectangle 2"/>
           <p:cNvSpPr txBox="1">
-            <a:spLocks noChangeArrowheads="1"/>
+            <a:spLocks noGrp="1" noChangeArrowheads="1"/>
           </p:cNvSpPr>
           <p:nvPr>
             <p:ph type="body" idx="1"/>
@@ -1465,7 +1465,7 @@
         <p:nvSpPr>
           <p:cNvPr id="84993" name="Rectangle 1"/>
           <p:cNvSpPr txBox="1">
-            <a:spLocks noChangeArrowheads="1"/>
+            <a:spLocks noGrp="1" noRot="1" noChangeAspect="1" noChangeArrowheads="1"/>
           </p:cNvSpPr>
           <p:nvPr>
             <p:ph type="sldImg"/>
@@ -1507,7 +1507,7 @@
         <p:nvSpPr>
           <p:cNvPr id="84994" name="Rectangle 2"/>
           <p:cNvSpPr txBox="1">
-            <a:spLocks noChangeArrowheads="1"/>
+            <a:spLocks noGrp="1" noChangeArrowheads="1"/>
           </p:cNvSpPr>
           <p:nvPr>
             <p:ph type="body" idx="1"/>
@@ -1623,7 +1623,7 @@
         <p:nvSpPr>
           <p:cNvPr id="82945" name="Rectangle 1"/>
           <p:cNvSpPr txBox="1">
-            <a:spLocks noChangeArrowheads="1"/>
+            <a:spLocks noGrp="1" noRot="1" noChangeAspect="1" noChangeArrowheads="1"/>
           </p:cNvSpPr>
           <p:nvPr>
             <p:ph type="sldImg"/>
@@ -1665,7 +1665,7 @@
         <p:nvSpPr>
           <p:cNvPr id="82946" name="Rectangle 2"/>
           <p:cNvSpPr txBox="1">
-            <a:spLocks noChangeArrowheads="1"/>
+            <a:spLocks noGrp="1" noChangeArrowheads="1"/>
           </p:cNvSpPr>
           <p:nvPr>
             <p:ph type="body" idx="1"/>
@@ -1781,7 +1781,7 @@
         <p:nvSpPr>
           <p:cNvPr id="82945" name="Rectangle 1"/>
           <p:cNvSpPr txBox="1">
-            <a:spLocks noChangeArrowheads="1"/>
+            <a:spLocks noGrp="1" noRot="1" noChangeAspect="1" noChangeArrowheads="1"/>
           </p:cNvSpPr>
           <p:nvPr>
             <p:ph type="sldImg"/>
@@ -1823,7 +1823,7 @@
         <p:nvSpPr>
           <p:cNvPr id="82946" name="Rectangle 2"/>
           <p:cNvSpPr txBox="1">
-            <a:spLocks noChangeArrowheads="1"/>
+            <a:spLocks noGrp="1" noChangeArrowheads="1"/>
           </p:cNvSpPr>
           <p:nvPr>
             <p:ph type="body" idx="1"/>
@@ -1939,7 +1939,7 @@
         <p:nvSpPr>
           <p:cNvPr id="83969" name="Rectangle 1"/>
           <p:cNvSpPr txBox="1">
-            <a:spLocks noChangeArrowheads="1"/>
+            <a:spLocks noGrp="1" noRot="1" noChangeAspect="1" noChangeArrowheads="1"/>
           </p:cNvSpPr>
           <p:nvPr>
             <p:ph type="sldImg"/>
@@ -1981,7 +1981,7 @@
         <p:nvSpPr>
           <p:cNvPr id="83970" name="Rectangle 2"/>
           <p:cNvSpPr txBox="1">
-            <a:spLocks noChangeArrowheads="1"/>
+            <a:spLocks noGrp="1" noChangeArrowheads="1"/>
           </p:cNvSpPr>
           <p:nvPr>
             <p:ph type="body" idx="1"/>
@@ -2221,7 +2221,7 @@
         <p:nvSpPr>
           <p:cNvPr id="77825" name="Rectangle 1"/>
           <p:cNvSpPr txBox="1">
-            <a:spLocks noChangeArrowheads="1"/>
+            <a:spLocks noGrp="1" noRot="1" noChangeAspect="1" noChangeArrowheads="1"/>
           </p:cNvSpPr>
           <p:nvPr>
             <p:ph type="sldImg"/>
@@ -2263,7 +2263,7 @@
         <p:nvSpPr>
           <p:cNvPr id="77826" name="Rectangle 2"/>
           <p:cNvSpPr txBox="1">
-            <a:spLocks noChangeArrowheads="1"/>
+            <a:spLocks noGrp="1" noChangeArrowheads="1"/>
           </p:cNvSpPr>
           <p:nvPr>
             <p:ph type="body" idx="1"/>
@@ -2379,7 +2379,7 @@
         <p:nvSpPr>
           <p:cNvPr id="78849" name="Rectangle 1"/>
           <p:cNvSpPr txBox="1">
-            <a:spLocks noChangeArrowheads="1"/>
+            <a:spLocks noGrp="1" noRot="1" noChangeAspect="1" noChangeArrowheads="1"/>
           </p:cNvSpPr>
           <p:nvPr>
             <p:ph type="sldImg"/>
@@ -2421,7 +2421,7 @@
         <p:nvSpPr>
           <p:cNvPr id="78850" name="Rectangle 2"/>
           <p:cNvSpPr txBox="1">
-            <a:spLocks noChangeArrowheads="1"/>
+            <a:spLocks noGrp="1" noChangeArrowheads="1"/>
           </p:cNvSpPr>
           <p:nvPr>
             <p:ph type="body" idx="1"/>
@@ -2537,7 +2537,7 @@
         <p:nvSpPr>
           <p:cNvPr id="81921" name="Rectangle 1"/>
           <p:cNvSpPr txBox="1">
-            <a:spLocks noChangeArrowheads="1"/>
+            <a:spLocks noGrp="1" noRot="1" noChangeAspect="1" noChangeArrowheads="1"/>
           </p:cNvSpPr>
           <p:nvPr>
             <p:ph type="sldImg"/>
@@ -2579,7 +2579,7 @@
         <p:nvSpPr>
           <p:cNvPr id="81922" name="Rectangle 2"/>
           <p:cNvSpPr txBox="1">
-            <a:spLocks noChangeArrowheads="1"/>
+            <a:spLocks noGrp="1" noChangeArrowheads="1"/>
           </p:cNvSpPr>
           <p:nvPr>
             <p:ph type="body" idx="1"/>
@@ -2695,7 +2695,7 @@
         <p:nvSpPr>
           <p:cNvPr id="79873" name="Rectangle 1"/>
           <p:cNvSpPr txBox="1">
-            <a:spLocks noChangeArrowheads="1"/>
+            <a:spLocks noGrp="1" noRot="1" noChangeAspect="1" noChangeArrowheads="1"/>
           </p:cNvSpPr>
           <p:nvPr>
             <p:ph type="sldImg"/>
@@ -2737,7 +2737,7 @@
         <p:nvSpPr>
           <p:cNvPr id="79874" name="Rectangle 2"/>
           <p:cNvSpPr txBox="1">
-            <a:spLocks noChangeArrowheads="1"/>
+            <a:spLocks noGrp="1" noChangeArrowheads="1"/>
           </p:cNvSpPr>
           <p:nvPr>
             <p:ph type="body" idx="1"/>
@@ -2853,7 +2853,7 @@
         <p:nvSpPr>
           <p:cNvPr id="80897" name="Rectangle 1"/>
           <p:cNvSpPr txBox="1">
-            <a:spLocks noChangeArrowheads="1"/>
+            <a:spLocks noGrp="1" noRot="1" noChangeAspect="1" noChangeArrowheads="1"/>
           </p:cNvSpPr>
           <p:nvPr>
             <p:ph type="sldImg"/>
@@ -2895,7 +2895,7 @@
         <p:nvSpPr>
           <p:cNvPr id="80898" name="Rectangle 2"/>
           <p:cNvSpPr txBox="1">
-            <a:spLocks noChangeArrowheads="1"/>
+            <a:spLocks noGrp="1" noChangeArrowheads="1"/>
           </p:cNvSpPr>
           <p:nvPr>
             <p:ph type="body" idx="1"/>
@@ -3011,7 +3011,7 @@
         <p:nvSpPr>
           <p:cNvPr id="82945" name="Rectangle 1"/>
           <p:cNvSpPr txBox="1">
-            <a:spLocks noChangeArrowheads="1"/>
+            <a:spLocks noGrp="1" noRot="1" noChangeAspect="1" noChangeArrowheads="1"/>
           </p:cNvSpPr>
           <p:nvPr>
             <p:ph type="sldImg"/>
@@ -3053,7 +3053,7 @@
         <p:nvSpPr>
           <p:cNvPr id="82946" name="Rectangle 2"/>
           <p:cNvSpPr txBox="1">
-            <a:spLocks noChangeArrowheads="1"/>
+            <a:spLocks noGrp="1" noChangeArrowheads="1"/>
           </p:cNvSpPr>
           <p:nvPr>
             <p:ph type="body" idx="1"/>
@@ -3169,7 +3169,7 @@
         <p:nvSpPr>
           <p:cNvPr id="83969" name="Rectangle 1"/>
           <p:cNvSpPr txBox="1">
-            <a:spLocks noChangeArrowheads="1"/>
+            <a:spLocks noGrp="1" noRot="1" noChangeAspect="1" noChangeArrowheads="1"/>
           </p:cNvSpPr>
           <p:nvPr>
             <p:ph type="sldImg"/>
@@ -3211,7 +3211,7 @@
         <p:nvSpPr>
           <p:cNvPr id="83970" name="Rectangle 2"/>
           <p:cNvSpPr txBox="1">
-            <a:spLocks noChangeArrowheads="1"/>
+            <a:spLocks noGrp="1" noChangeArrowheads="1"/>
           </p:cNvSpPr>
           <p:nvPr>
             <p:ph type="body" idx="1"/>
@@ -3327,7 +3327,7 @@
         <p:nvSpPr>
           <p:cNvPr id="84993" name="Rectangle 1"/>
           <p:cNvSpPr txBox="1">
-            <a:spLocks noChangeArrowheads="1"/>
+            <a:spLocks noGrp="1" noRot="1" noChangeAspect="1" noChangeArrowheads="1"/>
           </p:cNvSpPr>
           <p:nvPr>
             <p:ph type="sldImg"/>
@@ -3369,7 +3369,7 @@
         <p:nvSpPr>
           <p:cNvPr id="84994" name="Rectangle 2"/>
           <p:cNvSpPr txBox="1">
-            <a:spLocks noChangeArrowheads="1"/>
+            <a:spLocks noGrp="1" noChangeArrowheads="1"/>
           </p:cNvSpPr>
           <p:nvPr>
             <p:ph type="body" idx="1"/>
@@ -3611,7 +3611,7 @@
           <a:p>
             <a:fld id="{AA309A6D-C09C-4548-B29A-6CF363A7E532}" type="datetimeFigureOut">
               <a:rPr lang="fr-FR" smtClean="0"/>
-              <a:t>27/06/2014</a:t>
+              <a:t>29/08/2014</a:t>
             </a:fld>
             <a:endParaRPr lang="fr-BE"/>
           </a:p>
@@ -3776,7 +3776,7 @@
           <a:p>
             <a:fld id="{AA309A6D-C09C-4548-B29A-6CF363A7E532}" type="datetimeFigureOut">
               <a:rPr lang="fr-FR" smtClean="0"/>
-              <a:t>27/06/2014</a:t>
+              <a:t>29/08/2014</a:t>
             </a:fld>
             <a:endParaRPr lang="fr-BE"/>
           </a:p>
@@ -3951,7 +3951,7 @@
           <a:p>
             <a:fld id="{AA309A6D-C09C-4548-B29A-6CF363A7E532}" type="datetimeFigureOut">
               <a:rPr lang="fr-FR" smtClean="0"/>
-              <a:t>27/06/2014</a:t>
+              <a:t>29/08/2014</a:t>
             </a:fld>
             <a:endParaRPr lang="fr-BE"/>
           </a:p>
@@ -4116,7 +4116,7 @@
           <a:p>
             <a:fld id="{AA309A6D-C09C-4548-B29A-6CF363A7E532}" type="datetimeFigureOut">
               <a:rPr lang="fr-FR" smtClean="0"/>
-              <a:t>27/06/2014</a:t>
+              <a:t>29/08/2014</a:t>
             </a:fld>
             <a:endParaRPr lang="fr-BE"/>
           </a:p>
@@ -4357,7 +4357,7 @@
           <a:p>
             <a:fld id="{AA309A6D-C09C-4548-B29A-6CF363A7E532}" type="datetimeFigureOut">
               <a:rPr lang="fr-FR" smtClean="0"/>
-              <a:t>27/06/2014</a:t>
+              <a:t>29/08/2014</a:t>
             </a:fld>
             <a:endParaRPr lang="fr-BE"/>
           </a:p>
@@ -4640,7 +4640,7 @@
           <a:p>
             <a:fld id="{AA309A6D-C09C-4548-B29A-6CF363A7E532}" type="datetimeFigureOut">
               <a:rPr lang="fr-FR" smtClean="0"/>
-              <a:t>27/06/2014</a:t>
+              <a:t>29/08/2014</a:t>
             </a:fld>
             <a:endParaRPr lang="fr-BE"/>
           </a:p>
@@ -5057,7 +5057,7 @@
           <a:p>
             <a:fld id="{AA309A6D-C09C-4548-B29A-6CF363A7E532}" type="datetimeFigureOut">
               <a:rPr lang="fr-FR" smtClean="0"/>
-              <a:t>27/06/2014</a:t>
+              <a:t>29/08/2014</a:t>
             </a:fld>
             <a:endParaRPr lang="fr-BE"/>
           </a:p>
@@ -5170,7 +5170,7 @@
           <a:p>
             <a:fld id="{AA309A6D-C09C-4548-B29A-6CF363A7E532}" type="datetimeFigureOut">
               <a:rPr lang="fr-FR" smtClean="0"/>
-              <a:t>27/06/2014</a:t>
+              <a:t>29/08/2014</a:t>
             </a:fld>
             <a:endParaRPr lang="fr-BE"/>
           </a:p>
@@ -5260,7 +5260,7 @@
           <a:p>
             <a:fld id="{AA309A6D-C09C-4548-B29A-6CF363A7E532}" type="datetimeFigureOut">
               <a:rPr lang="fr-FR" smtClean="0"/>
-              <a:t>27/06/2014</a:t>
+              <a:t>29/08/2014</a:t>
             </a:fld>
             <a:endParaRPr lang="fr-BE"/>
           </a:p>
@@ -5532,7 +5532,7 @@
           <a:p>
             <a:fld id="{AA309A6D-C09C-4548-B29A-6CF363A7E532}" type="datetimeFigureOut">
               <a:rPr lang="fr-FR" smtClean="0"/>
-              <a:t>27/06/2014</a:t>
+              <a:t>29/08/2014</a:t>
             </a:fld>
             <a:endParaRPr lang="fr-BE"/>
           </a:p>
@@ -5780,7 +5780,7 @@
           <a:p>
             <a:fld id="{AA309A6D-C09C-4548-B29A-6CF363A7E532}" type="datetimeFigureOut">
               <a:rPr lang="fr-FR" smtClean="0"/>
-              <a:t>27/06/2014</a:t>
+              <a:t>29/08/2014</a:t>
             </a:fld>
             <a:endParaRPr lang="fr-BE"/>
           </a:p>
@@ -5988,7 +5988,7 @@
           <a:p>
             <a:fld id="{AA309A6D-C09C-4548-B29A-6CF363A7E532}" type="datetimeFigureOut">
               <a:rPr lang="fr-FR" smtClean="0"/>
-              <a:t>27/06/2014</a:t>
+              <a:t>29/08/2014</a:t>
             </a:fld>
             <a:endParaRPr lang="fr-BE"/>
           </a:p>
@@ -11559,6 +11559,50 @@
           </a:p>
         </p:txBody>
       </p:sp>
+      <p:sp>
+        <p:nvSpPr>
+          <p:cNvPr id="4" name="Ellipse 3"/>
+          <p:cNvSpPr/>
+          <p:nvPr/>
+        </p:nvSpPr>
+        <p:spPr>
+          <a:xfrm>
+            <a:off x="8028384" y="1268760"/>
+            <a:ext cx="504056" cy="504056"/>
+          </a:xfrm>
+          <a:prstGeom prst="ellipse">
+            <a:avLst/>
+          </a:prstGeom>
+        </p:spPr>
+        <p:style>
+          <a:lnRef idx="2">
+            <a:schemeClr val="accent5">
+              <a:shade val="50000"/>
+            </a:schemeClr>
+          </a:lnRef>
+          <a:fillRef idx="1">
+            <a:schemeClr val="accent5"/>
+          </a:fillRef>
+          <a:effectRef idx="0">
+            <a:schemeClr val="accent5"/>
+          </a:effectRef>
+          <a:fontRef idx="minor">
+            <a:schemeClr val="lt1"/>
+          </a:fontRef>
+        </p:style>
+        <p:txBody>
+          <a:bodyPr rtlCol="0" anchor="ctr"/>
+          <a:lstStyle/>
+          <a:p>
+            <a:pPr algn="ctr"/>
+            <a:r>
+              <a:rPr lang="fr-BE" sz="2800" b="1" dirty="0" smtClean="0"/>
+              <a:t>1</a:t>
+            </a:r>
+            <a:endParaRPr lang="fr-BE" sz="2800" b="1" dirty="0"/>
+          </a:p>
+        </p:txBody>
+      </p:sp>
     </p:spTree>
     <p:extLst>
       <p:ext uri="{BB962C8B-B14F-4D97-AF65-F5344CB8AC3E}">
@@ -14010,6 +14054,50 @@
           </a:p>
         </p:txBody>
       </p:sp>
+      <p:sp>
+        <p:nvSpPr>
+          <p:cNvPr id="4" name="Ellipse 3"/>
+          <p:cNvSpPr/>
+          <p:nvPr/>
+        </p:nvSpPr>
+        <p:spPr>
+          <a:xfrm>
+            <a:off x="8028384" y="1268760"/>
+            <a:ext cx="504056" cy="504056"/>
+          </a:xfrm>
+          <a:prstGeom prst="ellipse">
+            <a:avLst/>
+          </a:prstGeom>
+        </p:spPr>
+        <p:style>
+          <a:lnRef idx="2">
+            <a:schemeClr val="accent5">
+              <a:shade val="50000"/>
+            </a:schemeClr>
+          </a:lnRef>
+          <a:fillRef idx="1">
+            <a:schemeClr val="accent5"/>
+          </a:fillRef>
+          <a:effectRef idx="0">
+            <a:schemeClr val="accent5"/>
+          </a:effectRef>
+          <a:fontRef idx="minor">
+            <a:schemeClr val="lt1"/>
+          </a:fontRef>
+        </p:style>
+        <p:txBody>
+          <a:bodyPr rtlCol="0" anchor="ctr"/>
+          <a:lstStyle/>
+          <a:p>
+            <a:pPr algn="ctr"/>
+            <a:r>
+              <a:rPr lang="fr-BE" sz="2800" b="1" dirty="0" smtClean="0"/>
+              <a:t>2</a:t>
+            </a:r>
+            <a:endParaRPr lang="fr-BE" sz="2800" b="1" dirty="0"/>
+          </a:p>
+        </p:txBody>
+      </p:sp>
     </p:spTree>
     <p:extLst>
       <p:ext uri="{BB962C8B-B14F-4D97-AF65-F5344CB8AC3E}">
@@ -17788,7 +17876,7 @@
   <p:timing>
     <p:tnLst>
       <p:par>
-        <p:cTn id="1" dur="indefinite" nodeType="tmRoot">
+        <p:cTn id="1" dur="indefinite" restart="never" nodeType="tmRoot">
           <p:childTnLst>
             <p:seq concurrent="1" nextAc="seek">
               <p:cTn id="2" dur="0" nodeType="mainSeq"/>
@@ -21691,7 +21779,7 @@
   <p:timing>
     <p:tnLst>
       <p:par>
-        <p:cTn id="1" dur="indefinite" nodeType="tmRoot">
+        <p:cTn id="1" dur="indefinite" restart="never" nodeType="tmRoot">
           <p:childTnLst>
             <p:seq concurrent="1" nextAc="seek">
               <p:cTn id="2" dur="0" nodeType="mainSeq"/>
@@ -23339,7 +23427,7 @@
   <p:timing>
     <p:tnLst>
       <p:par>
-        <p:cTn id="1" dur="indefinite" nodeType="tmRoot">
+        <p:cTn id="1" dur="indefinite" restart="never" nodeType="tmRoot">
           <p:childTnLst>
             <p:seq concurrent="1" nextAc="seek">
               <p:cTn id="2" dur="0" nodeType="mainSeq"/>
@@ -26137,7 +26225,7 @@
   <p:timing>
     <p:tnLst>
       <p:par>
-        <p:cTn id="1" dur="indefinite" nodeType="tmRoot">
+        <p:cTn id="1" dur="indefinite" restart="never" nodeType="tmRoot">
           <p:childTnLst>
             <p:seq concurrent="1" nextAc="seek">
               <p:cTn id="2" dur="0" nodeType="mainSeq"/>
@@ -26737,7 +26825,7 @@
   <p:timing>
     <p:tnLst>
       <p:par>
-        <p:cTn id="1" dur="indefinite" nodeType="tmRoot">
+        <p:cTn id="1" dur="indefinite" restart="never" nodeType="tmRoot">
           <p:childTnLst>
             <p:seq concurrent="1" nextAc="seek">
               <p:cTn id="2" dur="0" nodeType="mainSeq"/>
@@ -27248,7 +27336,7 @@
   <p:timing>
     <p:tnLst>
       <p:par>
-        <p:cTn id="1" dur="indefinite" nodeType="tmRoot">
+        <p:cTn id="1" dur="indefinite" restart="never" nodeType="tmRoot">
           <p:childTnLst>
             <p:seq concurrent="1" nextAc="seek">
               <p:cTn id="2" dur="0" nodeType="mainSeq"/>
@@ -27662,11 +27750,26 @@
               <a:buChar char="•"/>
             </a:pPr>
             <a:r>
-              <a:rPr lang="fr-FR" altLang="fr-FR" sz="3200">
+              <a:rPr lang="fr-FR" altLang="fr-FR" sz="3200" dirty="0" err="1">
                 <a:latin typeface="Calibri" charset="0"/>
               </a:rPr>
-              <a:t>Map-Filter-Reduce operations</a:t>
-            </a:r>
+              <a:t>Map-Filter-Reduce</a:t>
+            </a:r>
+            <a:r>
+              <a:rPr lang="fr-FR" altLang="fr-FR" sz="3200" dirty="0">
+                <a:latin typeface="Calibri" charset="0"/>
+              </a:rPr>
+              <a:t> </a:t>
+            </a:r>
+            <a:r>
+              <a:rPr lang="fr-FR" altLang="fr-FR" sz="3200" dirty="0" err="1">
+                <a:latin typeface="Calibri" charset="0"/>
+              </a:rPr>
+              <a:t>operations</a:t>
+            </a:r>
+            <a:endParaRPr lang="fr-FR" altLang="fr-FR" sz="3200" dirty="0">
+              <a:latin typeface="Calibri" charset="0"/>
+            </a:endParaRPr>
           </a:p>
           <a:p>
             <a:pPr hangingPunct="1">
@@ -27684,10 +27787,22 @@
               <a:buChar char="•"/>
             </a:pPr>
             <a:r>
+              <a:rPr lang="fr-FR" altLang="fr-FR" sz="3200" dirty="0" err="1">
+                <a:latin typeface="Calibri" charset="0"/>
+              </a:rPr>
+              <a:t>Creating</a:t>
+            </a:r>
+            <a:r>
+              <a:rPr lang="fr-FR" altLang="fr-FR" sz="3200" dirty="0">
+                <a:latin typeface="Calibri" charset="0"/>
+              </a:rPr>
+              <a:t> </a:t>
+            </a:r>
+            <a:r>
               <a:rPr lang="fr-FR" altLang="fr-FR" sz="3200">
                 <a:latin typeface="Calibri" charset="0"/>
               </a:rPr>
-              <a:t>Creating Streams</a:t>
+              <a:t>Streams</a:t>
             </a:r>
           </a:p>
           <a:p>
@@ -27706,9 +27821,53 @@
               <a:buFontTx/>
               <a:buNone/>
             </a:pPr>
-            <a:endParaRPr lang="fr-FR" altLang="fr-FR" sz="3200">
+            <a:endParaRPr lang="fr-FR" altLang="fr-FR" sz="3200" dirty="0">
               <a:latin typeface="Calibri" charset="0"/>
             </a:endParaRPr>
+          </a:p>
+        </p:txBody>
+      </p:sp>
+      <p:sp>
+        <p:nvSpPr>
+          <p:cNvPr id="4" name="Ellipse 3"/>
+          <p:cNvSpPr/>
+          <p:nvPr/>
+        </p:nvSpPr>
+        <p:spPr>
+          <a:xfrm>
+            <a:off x="8028384" y="1268760"/>
+            <a:ext cx="504056" cy="504056"/>
+          </a:xfrm>
+          <a:prstGeom prst="ellipse">
+            <a:avLst/>
+          </a:prstGeom>
+        </p:spPr>
+        <p:style>
+          <a:lnRef idx="2">
+            <a:schemeClr val="accent5">
+              <a:shade val="50000"/>
+            </a:schemeClr>
+          </a:lnRef>
+          <a:fillRef idx="1">
+            <a:schemeClr val="accent5"/>
+          </a:fillRef>
+          <a:effectRef idx="0">
+            <a:schemeClr val="accent5"/>
+          </a:effectRef>
+          <a:fontRef idx="minor">
+            <a:schemeClr val="lt1"/>
+          </a:fontRef>
+        </p:style>
+        <p:txBody>
+          <a:bodyPr rtlCol="0" anchor="ctr"/>
+          <a:lstStyle/>
+          <a:p>
+            <a:pPr algn="ctr"/>
+            <a:r>
+              <a:rPr lang="fr-BE" sz="2800" b="1" dirty="0" smtClean="0"/>
+              <a:t>3</a:t>
+            </a:r>
+            <a:endParaRPr lang="fr-BE" sz="2800" b="1" dirty="0"/>
           </a:p>
         </p:txBody>
       </p:sp>
@@ -27726,7 +27885,7 @@
   <p:timing>
     <p:tnLst>
       <p:par>
-        <p:cTn id="1" dur="indefinite" nodeType="tmRoot">
+        <p:cTn id="1" dur="indefinite" restart="never" nodeType="tmRoot">
           <p:childTnLst>
             <p:seq concurrent="1" nextAc="seek">
               <p:cTn id="2" dur="0" nodeType="mainSeq"/>
@@ -29027,7 +29186,7 @@
   <p:timing>
     <p:tnLst>
       <p:par>
-        <p:cTn id="1" dur="indefinite" nodeType="tmRoot">
+        <p:cTn id="1" dur="indefinite" restart="never" nodeType="tmRoot">
           <p:childTnLst>
             <p:seq concurrent="1" nextAc="seek">
               <p:cTn id="2" dur="0" nodeType="mainSeq"/>
@@ -33296,7 +33455,7 @@
   <p:timing>
     <p:tnLst>
       <p:par>
-        <p:cTn id="1" dur="indefinite" nodeType="tmRoot">
+        <p:cTn id="1" dur="indefinite" restart="never" nodeType="tmRoot">
           <p:childTnLst>
             <p:seq concurrent="1" nextAc="seek">
               <p:cTn id="2" dur="0" nodeType="mainSeq"/>
@@ -34947,7 +35106,7 @@
   <p:timing>
     <p:tnLst>
       <p:par>
-        <p:cTn id="1" dur="indefinite" nodeType="tmRoot">
+        <p:cTn id="1" dur="indefinite" restart="never" nodeType="tmRoot">
           <p:childTnLst>
             <p:seq concurrent="1" nextAc="seek">
               <p:cTn id="2" dur="0" nodeType="mainSeq"/>
@@ -38391,7 +38550,7 @@
   <p:timing>
     <p:tnLst>
       <p:par>
-        <p:cTn id="1" dur="indefinite" nodeType="tmRoot">
+        <p:cTn id="1" dur="indefinite" restart="never" nodeType="tmRoot">
           <p:childTnLst>
             <p:seq concurrent="1" nextAc="seek">
               <p:cTn id="2" dur="0" nodeType="mainSeq"/>
@@ -40378,7 +40537,7 @@
   <p:timing>
     <p:tnLst>
       <p:par>
-        <p:cTn id="1" dur="indefinite" nodeType="tmRoot">
+        <p:cTn id="1" dur="indefinite" restart="never" nodeType="tmRoot">
           <p:childTnLst>
             <p:seq concurrent="1" nextAc="seek">
               <p:cTn id="2" dur="0" nodeType="mainSeq"/>
@@ -40990,7 +41149,7 @@
   <p:timing>
     <p:tnLst>
       <p:par>
-        <p:cTn id="1" dur="indefinite" nodeType="tmRoot">
+        <p:cTn id="1" dur="indefinite" restart="never" nodeType="tmRoot">
           <p:childTnLst>
             <p:seq concurrent="1" nextAc="seek">
               <p:cTn id="2" dur="0" nodeType="mainSeq"/>
@@ -41674,7 +41833,7 @@
   <p:timing>
     <p:tnLst>
       <p:par>
-        <p:cTn id="1" dur="indefinite" nodeType="tmRoot">
+        <p:cTn id="1" dur="indefinite" restart="never" nodeType="tmRoot">
           <p:childTnLst>
             <p:seq concurrent="1" nextAc="seek">
               <p:cTn id="2" dur="0" nodeType="mainSeq"/>
@@ -42170,7 +42329,7 @@
   <p:timing>
     <p:tnLst>
       <p:par>
-        <p:cTn id="1" dur="indefinite" nodeType="tmRoot">
+        <p:cTn id="1" dur="indefinite" restart="never" nodeType="tmRoot">
           <p:childTnLst>
             <p:seq concurrent="1" nextAc="seek">
               <p:cTn id="2" dur="0" nodeType="mainSeq"/>
@@ -42230,8 +42389,8 @@
           <a:lstStyle/>
           <a:p>
             <a:r>
-              <a:rPr lang="fr-BE" dirty="0" smtClean="0"/>
-              <a:t>Reference</a:t>
+              <a:rPr lang="fr-BE" dirty="0" err="1" smtClean="0"/>
+              <a:t>References</a:t>
             </a:r>
             <a:endParaRPr lang="fr-BE" dirty="0"/>
           </a:p>
@@ -42247,9 +42406,16 @@
             <p:ph idx="1"/>
           </p:nvPr>
         </p:nvSpPr>
-        <p:spPr/>
+        <p:spPr>
+          <a:xfrm>
+            <a:off x="457200" y="1340768"/>
+            <a:ext cx="8229600" cy="4785395"/>
+          </a:xfrm>
+        </p:spPr>
         <p:txBody>
-          <a:bodyPr/>
+          <a:bodyPr>
+            <a:normAutofit/>
+          </a:bodyPr>
           <a:lstStyle/>
           <a:p>
             <a:r>
@@ -42265,90 +42431,75 @@
           <a:p>
             <a:pPr lvl="1"/>
             <a:r>
-              <a:rPr lang="fr-BE" dirty="0" smtClean="0"/>
+              <a:rPr lang="fr-BE" sz="1800" dirty="0" smtClean="0"/>
               <a:t>State of the Lambda</a:t>
             </a:r>
             <a:br>
-              <a:rPr lang="fr-BE" dirty="0" smtClean="0"/>
+              <a:rPr lang="fr-BE" sz="1800" dirty="0" smtClean="0"/>
             </a:br>
             <a:r>
-              <a:rPr lang="fr-BE" dirty="0" smtClean="0">
+              <a:rPr lang="fr-BE" sz="1800" dirty="0" smtClean="0">
                 <a:hlinkClick r:id="rId2"/>
               </a:rPr>
               <a:t>http</a:t>
             </a:r>
             <a:r>
-              <a:rPr lang="fr-BE" dirty="0">
+              <a:rPr lang="fr-BE" sz="1800" dirty="0">
                 <a:hlinkClick r:id="rId2"/>
               </a:rPr>
               <a:t>://cr.openjdk.java.net/~</a:t>
             </a:r>
             <a:r>
-              <a:rPr lang="fr-BE" dirty="0" smtClean="0">
+              <a:rPr lang="fr-BE" sz="1800" dirty="0" smtClean="0">
                 <a:hlinkClick r:id="rId2"/>
               </a:rPr>
-              <a:t>briangoetz/lambda/</a:t>
+              <a:t>briangoetz/lambda/lambda-state-final.html</a:t>
+            </a:r>
+            <a:endParaRPr lang="fr-BE" sz="1800" dirty="0" smtClean="0"/>
+          </a:p>
+          <a:p>
+            <a:pPr lvl="1"/>
+            <a:r>
+              <a:rPr lang="fr-BE" sz="1800" dirty="0" smtClean="0"/>
+              <a:t>State of the Lambda: </a:t>
+            </a:r>
+            <a:r>
+              <a:rPr lang="fr-BE" sz="1800" dirty="0" err="1" smtClean="0"/>
+              <a:t>Libraries</a:t>
+            </a:r>
+            <a:r>
+              <a:rPr lang="fr-BE" sz="1800" dirty="0" smtClean="0"/>
+              <a:t> Edition</a:t>
             </a:r>
             <a:br>
-              <a:rPr lang="fr-BE" dirty="0" smtClean="0">
-                <a:hlinkClick r:id="rId2"/>
-              </a:rPr>
+              <a:rPr lang="fr-BE" sz="1800" dirty="0" smtClean="0"/>
             </a:br>
             <a:r>
-              <a:rPr lang="fr-BE" dirty="0" smtClean="0">
-                <a:hlinkClick r:id="rId2"/>
-              </a:rPr>
-              <a:t>lambda-state-final.html</a:t>
-            </a:r>
-            <a:endParaRPr lang="fr-BE" dirty="0" smtClean="0"/>
-          </a:p>
-          <a:p>
-            <a:pPr lvl="1"/>
-            <a:r>
-              <a:rPr lang="fr-BE" dirty="0" smtClean="0"/>
-              <a:t>State of the Lambda: </a:t>
-            </a:r>
-            <a:r>
-              <a:rPr lang="fr-BE" dirty="0" err="1" smtClean="0"/>
-              <a:t>Libraries</a:t>
-            </a:r>
-            <a:r>
-              <a:rPr lang="fr-BE" dirty="0" smtClean="0"/>
-              <a:t> Edition</a:t>
+              <a:rPr lang="fr-BE" sz="1800" dirty="0" smtClean="0">
+                <a:hlinkClick r:id="rId3"/>
+              </a:rPr>
+              <a:t>http</a:t>
+            </a:r>
+            <a:r>
+              <a:rPr lang="fr-BE" sz="1800" dirty="0">
+                <a:hlinkClick r:id="rId3"/>
+              </a:rPr>
+              <a:t>://cr.openjdk.java.net/~</a:t>
+            </a:r>
+            <a:r>
+              <a:rPr lang="fr-BE" sz="1800" dirty="0" smtClean="0">
+                <a:hlinkClick r:id="rId3"/>
+              </a:rPr>
+              <a:t>briangoetz/lambda/lambda-libraries-final.html</a:t>
+            </a:r>
+            <a:r>
+              <a:rPr lang="fr-BE" sz="1800" dirty="0" smtClean="0"/>
+              <a:t/>
             </a:r>
             <a:br>
-              <a:rPr lang="fr-BE" dirty="0" smtClean="0"/>
+              <a:rPr lang="fr-BE" sz="1800" dirty="0" smtClean="0"/>
             </a:br>
-            <a:r>
-              <a:rPr lang="fr-BE" dirty="0" smtClean="0">
-                <a:hlinkClick r:id="rId3"/>
-              </a:rPr>
-              <a:t>http</a:t>
-            </a:r>
-            <a:r>
-              <a:rPr lang="fr-BE" dirty="0">
-                <a:hlinkClick r:id="rId3"/>
-              </a:rPr>
-              <a:t>://cr.openjdk.java.net/~briangoetz/lambda</a:t>
-            </a:r>
-            <a:r>
-              <a:rPr lang="fr-BE" dirty="0" smtClean="0">
-                <a:hlinkClick r:id="rId3"/>
-              </a:rPr>
-              <a:t>/</a:t>
-            </a:r>
-            <a:br>
-              <a:rPr lang="fr-BE" dirty="0" smtClean="0">
-                <a:hlinkClick r:id="rId3"/>
-              </a:rPr>
-            </a:br>
-            <a:r>
-              <a:rPr lang="fr-BE" dirty="0" smtClean="0">
-                <a:hlinkClick r:id="rId3"/>
-              </a:rPr>
-              <a:t>lambda-libraries-final.html</a:t>
-            </a:r>
-            <a:endParaRPr lang="fr-BE" dirty="0" smtClean="0"/>
+            <a:endParaRPr lang="fr-BE" sz="1800" dirty="0" smtClean="0"/>
           </a:p>
           <a:p>
             <a:r>
@@ -42364,18 +42515,45 @@
           <a:p>
             <a:pPr lvl="1"/>
             <a:r>
-              <a:rPr lang="fr-BE" dirty="0">
+              <a:rPr lang="fr-BE" sz="1800" dirty="0">
                 <a:hlinkClick r:id="rId4"/>
               </a:rPr>
               <a:t>http://</a:t>
             </a:r>
             <a:r>
-              <a:rPr lang="fr-BE" dirty="0" smtClean="0">
+              <a:rPr lang="fr-BE" sz="1800" dirty="0" smtClean="0">
                 <a:hlinkClick r:id="rId4"/>
               </a:rPr>
               <a:t>www.slideshare.net/jpaumard</a:t>
             </a:r>
-            <a:endParaRPr lang="fr-BE" dirty="0" smtClean="0"/>
+            <a:r>
+              <a:rPr lang="fr-BE" sz="1800" dirty="0" smtClean="0"/>
+              <a:t/>
+            </a:r>
+            <a:br>
+              <a:rPr lang="fr-BE" sz="1800" dirty="0" smtClean="0"/>
+            </a:br>
+            <a:endParaRPr lang="fr-BE" sz="1800" dirty="0" smtClean="0"/>
+          </a:p>
+          <a:p>
+            <a:r>
+              <a:rPr lang="fr-BE" dirty="0" err="1" smtClean="0"/>
+              <a:t>Angelika</a:t>
+            </a:r>
+            <a:r>
+              <a:rPr lang="fr-BE" dirty="0" smtClean="0"/>
+              <a:t> Langer</a:t>
+            </a:r>
+          </a:p>
+          <a:p>
+            <a:pPr lvl="1"/>
+            <a:r>
+              <a:rPr lang="fr-BE" sz="1800" dirty="0">
+                <a:hlinkClick r:id="rId5"/>
+              </a:rPr>
+              <a:t>http://www.angelikalanger.com/Lambdas/Lambdas.html</a:t>
+            </a:r>
+            <a:endParaRPr lang="fr-BE" sz="1800" dirty="0" smtClean="0"/>
           </a:p>
           <a:p>
             <a:pPr lvl="1"/>
